--- a/Yu Feng CRC-fungi-Re1 (JY)/S_fig1-Re1 (JY)-Re (YF).pptx
+++ b/Yu Feng CRC-fungi-Re1 (JY)/S_fig1-Re1 (JY)-Re (YF).pptx
@@ -2,12 +2,12 @@
 <file path=ppt/presentation.xml><?xml version="1.0" encoding="utf-8"?>
 <p:presentation xmlns:a="http://schemas.openxmlformats.org/drawingml/2006/main" xmlns:r="http://schemas.openxmlformats.org/officeDocument/2006/relationships" xmlns:p="http://schemas.openxmlformats.org/presentationml/2006/main" saveSubsetFonts="1">
   <p:sldMasterIdLst>
-    <p:sldMasterId id="2147483708" r:id="rId1"/>
+    <p:sldMasterId id="2147483720" r:id="rId1"/>
   </p:sldMasterIdLst>
   <p:sldIdLst>
     <p:sldId id="256" r:id="rId2"/>
   </p:sldIdLst>
-  <p:sldSz cx="19259550" cy="18000663"/>
+  <p:sldSz cx="19259550" cy="25199975"/>
   <p:notesSz cx="6858000" cy="9144000"/>
   <p:defaultTextStyle>
     <a:defPPr>
@@ -141,8 +141,8 @@
         </p:nvSpPr>
         <p:spPr>
           <a:xfrm>
-            <a:off x="1444466" y="2945943"/>
-            <a:ext cx="16370618" cy="6266897"/>
+            <a:off x="1444466" y="4124164"/>
+            <a:ext cx="16370618" cy="8773325"/>
           </a:xfrm>
         </p:spPr>
         <p:txBody>
@@ -154,7 +154,7 @@
           </a:lstStyle>
           <a:p>
             <a:r>
-              <a:rPr lang="en-US"/>
+              <a:rPr lang="en-US" altLang="zh-CN"/>
               <a:t>Click to edit Master title style</a:t>
             </a:r>
             <a:endParaRPr lang="en-US" dirty="0"/>
@@ -173,8 +173,8 @@
         </p:nvSpPr>
         <p:spPr>
           <a:xfrm>
-            <a:off x="2407444" y="9454516"/>
-            <a:ext cx="14444663" cy="4345992"/>
+            <a:off x="2407444" y="13235822"/>
+            <a:ext cx="14444663" cy="6084159"/>
           </a:xfrm>
         </p:spPr>
         <p:txBody>
@@ -219,7 +219,7 @@
           </a:lstStyle>
           <a:p>
             <a:r>
-              <a:rPr lang="en-US"/>
+              <a:rPr lang="en-US" altLang="zh-CN"/>
               <a:t>Click to edit Master subtitle style</a:t>
             </a:r>
             <a:endParaRPr lang="en-US" dirty="0"/>
@@ -243,7 +243,7 @@
           <a:p>
             <a:fld id="{087BDACD-5C14-45ED-B18B-43AC31EB580A}" type="datetimeFigureOut">
               <a:rPr lang="en-HK" smtClean="0"/>
-              <a:t>22/10/2021</a:t>
+              <a:t>30/10/2021</a:t>
             </a:fld>
             <a:endParaRPr lang="en-HK"/>
           </a:p>
@@ -294,7 +294,7 @@
     </p:spTree>
     <p:extLst>
       <p:ext uri="{BB962C8B-B14F-4D97-AF65-F5344CB8AC3E}">
-        <p14:creationId xmlns:p14="http://schemas.microsoft.com/office/powerpoint/2010/main" val="752995181"/>
+        <p14:creationId xmlns:p14="http://schemas.microsoft.com/office/powerpoint/2010/main" val="2902929089"/>
       </p:ext>
     </p:extLst>
   </p:cSld>
@@ -337,7 +337,7 @@
           <a:lstStyle/>
           <a:p>
             <a:r>
-              <a:rPr lang="en-US"/>
+              <a:rPr lang="en-US" altLang="zh-CN"/>
               <a:t>Click to edit Master title style</a:t>
             </a:r>
             <a:endParaRPr lang="en-US" dirty="0"/>
@@ -361,35 +361,35 @@
           <a:p>
             <a:pPr lvl="0"/>
             <a:r>
-              <a:rPr lang="en-US"/>
-              <a:t>Edit Master text styles</a:t>
+              <a:rPr lang="en-US" altLang="zh-CN"/>
+              <a:t>Click to edit Master text styles</a:t>
             </a:r>
           </a:p>
           <a:p>
             <a:pPr lvl="1"/>
             <a:r>
-              <a:rPr lang="en-US"/>
+              <a:rPr lang="en-US" altLang="zh-CN"/>
               <a:t>Second level</a:t>
             </a:r>
           </a:p>
           <a:p>
             <a:pPr lvl="2"/>
             <a:r>
-              <a:rPr lang="en-US"/>
+              <a:rPr lang="en-US" altLang="zh-CN"/>
               <a:t>Third level</a:t>
             </a:r>
           </a:p>
           <a:p>
             <a:pPr lvl="3"/>
             <a:r>
-              <a:rPr lang="en-US"/>
+              <a:rPr lang="en-US" altLang="zh-CN"/>
               <a:t>Fourth level</a:t>
             </a:r>
           </a:p>
           <a:p>
             <a:pPr lvl="4"/>
             <a:r>
-              <a:rPr lang="en-US"/>
+              <a:rPr lang="en-US" altLang="zh-CN"/>
               <a:t>Fifth level</a:t>
             </a:r>
             <a:endParaRPr lang="en-US" dirty="0"/>
@@ -413,7 +413,7 @@
           <a:p>
             <a:fld id="{087BDACD-5C14-45ED-B18B-43AC31EB580A}" type="datetimeFigureOut">
               <a:rPr lang="en-HK" smtClean="0"/>
-              <a:t>22/10/2021</a:t>
+              <a:t>30/10/2021</a:t>
             </a:fld>
             <a:endParaRPr lang="en-HK"/>
           </a:p>
@@ -464,7 +464,7 @@
     </p:spTree>
     <p:extLst>
       <p:ext uri="{BB962C8B-B14F-4D97-AF65-F5344CB8AC3E}">
-        <p14:creationId xmlns:p14="http://schemas.microsoft.com/office/powerpoint/2010/main" val="847994490"/>
+        <p14:creationId xmlns:p14="http://schemas.microsoft.com/office/powerpoint/2010/main" val="1572984705"/>
       </p:ext>
     </p:extLst>
   </p:cSld>
@@ -503,8 +503,8 @@
         </p:nvSpPr>
         <p:spPr>
           <a:xfrm>
-            <a:off x="13782617" y="958369"/>
-            <a:ext cx="4152840" cy="15254730"/>
+            <a:off x="13782617" y="1341665"/>
+            <a:ext cx="4152840" cy="21355814"/>
           </a:xfrm>
         </p:spPr>
         <p:txBody>
@@ -512,7 +512,7 @@
           <a:lstStyle/>
           <a:p>
             <a:r>
-              <a:rPr lang="en-US"/>
+              <a:rPr lang="en-US" altLang="zh-CN"/>
               <a:t>Click to edit Master title style</a:t>
             </a:r>
             <a:endParaRPr lang="en-US" dirty="0"/>
@@ -531,8 +531,8 @@
         </p:nvSpPr>
         <p:spPr>
           <a:xfrm>
-            <a:off x="1324095" y="958369"/>
-            <a:ext cx="12217777" cy="15254730"/>
+            <a:off x="1324095" y="1341665"/>
+            <a:ext cx="12217777" cy="21355814"/>
           </a:xfrm>
         </p:spPr>
         <p:txBody>
@@ -541,35 +541,35 @@
           <a:p>
             <a:pPr lvl="0"/>
             <a:r>
-              <a:rPr lang="en-US"/>
-              <a:t>Edit Master text styles</a:t>
+              <a:rPr lang="en-US" altLang="zh-CN"/>
+              <a:t>Click to edit Master text styles</a:t>
             </a:r>
           </a:p>
           <a:p>
             <a:pPr lvl="1"/>
             <a:r>
-              <a:rPr lang="en-US"/>
+              <a:rPr lang="en-US" altLang="zh-CN"/>
               <a:t>Second level</a:t>
             </a:r>
           </a:p>
           <a:p>
             <a:pPr lvl="2"/>
             <a:r>
-              <a:rPr lang="en-US"/>
+              <a:rPr lang="en-US" altLang="zh-CN"/>
               <a:t>Third level</a:t>
             </a:r>
           </a:p>
           <a:p>
             <a:pPr lvl="3"/>
             <a:r>
-              <a:rPr lang="en-US"/>
+              <a:rPr lang="en-US" altLang="zh-CN"/>
               <a:t>Fourth level</a:t>
             </a:r>
           </a:p>
           <a:p>
             <a:pPr lvl="4"/>
             <a:r>
-              <a:rPr lang="en-US"/>
+              <a:rPr lang="en-US" altLang="zh-CN"/>
               <a:t>Fifth level</a:t>
             </a:r>
             <a:endParaRPr lang="en-US" dirty="0"/>
@@ -593,7 +593,7 @@
           <a:p>
             <a:fld id="{087BDACD-5C14-45ED-B18B-43AC31EB580A}" type="datetimeFigureOut">
               <a:rPr lang="en-HK" smtClean="0"/>
-              <a:t>22/10/2021</a:t>
+              <a:t>30/10/2021</a:t>
             </a:fld>
             <a:endParaRPr lang="en-HK"/>
           </a:p>
@@ -644,7 +644,7 @@
     </p:spTree>
     <p:extLst>
       <p:ext uri="{BB962C8B-B14F-4D97-AF65-F5344CB8AC3E}">
-        <p14:creationId xmlns:p14="http://schemas.microsoft.com/office/powerpoint/2010/main" val="3097291477"/>
+        <p14:creationId xmlns:p14="http://schemas.microsoft.com/office/powerpoint/2010/main" val="1606715765"/>
       </p:ext>
     </p:extLst>
   </p:cSld>
@@ -687,7 +687,7 @@
           <a:lstStyle/>
           <a:p>
             <a:r>
-              <a:rPr lang="en-US"/>
+              <a:rPr lang="en-US" altLang="zh-CN"/>
               <a:t>Click to edit Master title style</a:t>
             </a:r>
             <a:endParaRPr lang="en-US" dirty="0"/>
@@ -711,35 +711,35 @@
           <a:p>
             <a:pPr lvl="0"/>
             <a:r>
-              <a:rPr lang="en-US"/>
-              <a:t>Edit Master text styles</a:t>
+              <a:rPr lang="en-US" altLang="zh-CN"/>
+              <a:t>Click to edit Master text styles</a:t>
             </a:r>
           </a:p>
           <a:p>
             <a:pPr lvl="1"/>
             <a:r>
-              <a:rPr lang="en-US"/>
+              <a:rPr lang="en-US" altLang="zh-CN"/>
               <a:t>Second level</a:t>
             </a:r>
           </a:p>
           <a:p>
             <a:pPr lvl="2"/>
             <a:r>
-              <a:rPr lang="en-US"/>
+              <a:rPr lang="en-US" altLang="zh-CN"/>
               <a:t>Third level</a:t>
             </a:r>
           </a:p>
           <a:p>
             <a:pPr lvl="3"/>
             <a:r>
-              <a:rPr lang="en-US"/>
+              <a:rPr lang="en-US" altLang="zh-CN"/>
               <a:t>Fourth level</a:t>
             </a:r>
           </a:p>
           <a:p>
             <a:pPr lvl="4"/>
             <a:r>
-              <a:rPr lang="en-US"/>
+              <a:rPr lang="en-US" altLang="zh-CN"/>
               <a:t>Fifth level</a:t>
             </a:r>
             <a:endParaRPr lang="en-US" dirty="0"/>
@@ -763,7 +763,7 @@
           <a:p>
             <a:fld id="{087BDACD-5C14-45ED-B18B-43AC31EB580A}" type="datetimeFigureOut">
               <a:rPr lang="en-HK" smtClean="0"/>
-              <a:t>22/10/2021</a:t>
+              <a:t>30/10/2021</a:t>
             </a:fld>
             <a:endParaRPr lang="en-HK"/>
           </a:p>
@@ -814,7 +814,7 @@
     </p:spTree>
     <p:extLst>
       <p:ext uri="{BB962C8B-B14F-4D97-AF65-F5344CB8AC3E}">
-        <p14:creationId xmlns:p14="http://schemas.microsoft.com/office/powerpoint/2010/main" val="2751620592"/>
+        <p14:creationId xmlns:p14="http://schemas.microsoft.com/office/powerpoint/2010/main" val="214905095"/>
       </p:ext>
     </p:extLst>
   </p:cSld>
@@ -853,8 +853,8 @@
         </p:nvSpPr>
         <p:spPr>
           <a:xfrm>
-            <a:off x="1314064" y="4487671"/>
-            <a:ext cx="16611362" cy="7487774"/>
+            <a:off x="1314064" y="6282501"/>
+            <a:ext cx="16611362" cy="10482488"/>
           </a:xfrm>
         </p:spPr>
         <p:txBody>
@@ -866,7 +866,7 @@
           </a:lstStyle>
           <a:p>
             <a:r>
-              <a:rPr lang="en-US"/>
+              <a:rPr lang="en-US" altLang="zh-CN"/>
               <a:t>Click to edit Master title style</a:t>
             </a:r>
             <a:endParaRPr lang="en-US" dirty="0"/>
@@ -885,8 +885,8 @@
         </p:nvSpPr>
         <p:spPr>
           <a:xfrm>
-            <a:off x="1314064" y="12046282"/>
-            <a:ext cx="16611362" cy="3937644"/>
+            <a:off x="1314064" y="16864157"/>
+            <a:ext cx="16611362" cy="5512493"/>
           </a:xfrm>
         </p:spPr>
         <p:txBody>
@@ -984,8 +984,8 @@
           <a:p>
             <a:pPr lvl="0"/>
             <a:r>
-              <a:rPr lang="en-US"/>
-              <a:t>Edit Master text styles</a:t>
+              <a:rPr lang="en-US" altLang="zh-CN"/>
+              <a:t>Click to edit Master text styles</a:t>
             </a:r>
           </a:p>
         </p:txBody>
@@ -1007,7 +1007,7 @@
           <a:p>
             <a:fld id="{087BDACD-5C14-45ED-B18B-43AC31EB580A}" type="datetimeFigureOut">
               <a:rPr lang="en-HK" smtClean="0"/>
-              <a:t>22/10/2021</a:t>
+              <a:t>30/10/2021</a:t>
             </a:fld>
             <a:endParaRPr lang="en-HK"/>
           </a:p>
@@ -1058,7 +1058,7 @@
     </p:spTree>
     <p:extLst>
       <p:ext uri="{BB962C8B-B14F-4D97-AF65-F5344CB8AC3E}">
-        <p14:creationId xmlns:p14="http://schemas.microsoft.com/office/powerpoint/2010/main" val="1081887026"/>
+        <p14:creationId xmlns:p14="http://schemas.microsoft.com/office/powerpoint/2010/main" val="1626304001"/>
       </p:ext>
     </p:extLst>
   </p:cSld>
@@ -1101,7 +1101,7 @@
           <a:lstStyle/>
           <a:p>
             <a:r>
-              <a:rPr lang="en-US"/>
+              <a:rPr lang="en-US" altLang="zh-CN"/>
               <a:t>Click to edit Master title style</a:t>
             </a:r>
             <a:endParaRPr lang="en-US" dirty="0"/>
@@ -1120,8 +1120,8 @@
         </p:nvSpPr>
         <p:spPr>
           <a:xfrm>
-            <a:off x="1324094" y="4791843"/>
-            <a:ext cx="8185309" cy="11421255"/>
+            <a:off x="1324094" y="6708326"/>
+            <a:ext cx="8185309" cy="15989153"/>
           </a:xfrm>
         </p:spPr>
         <p:txBody>
@@ -1130,35 +1130,35 @@
           <a:p>
             <a:pPr lvl="0"/>
             <a:r>
-              <a:rPr lang="en-US"/>
-              <a:t>Edit Master text styles</a:t>
+              <a:rPr lang="en-US" altLang="zh-CN"/>
+              <a:t>Click to edit Master text styles</a:t>
             </a:r>
           </a:p>
           <a:p>
             <a:pPr lvl="1"/>
             <a:r>
-              <a:rPr lang="en-US"/>
+              <a:rPr lang="en-US" altLang="zh-CN"/>
               <a:t>Second level</a:t>
             </a:r>
           </a:p>
           <a:p>
             <a:pPr lvl="2"/>
             <a:r>
-              <a:rPr lang="en-US"/>
+              <a:rPr lang="en-US" altLang="zh-CN"/>
               <a:t>Third level</a:t>
             </a:r>
           </a:p>
           <a:p>
             <a:pPr lvl="3"/>
             <a:r>
-              <a:rPr lang="en-US"/>
+              <a:rPr lang="en-US" altLang="zh-CN"/>
               <a:t>Fourth level</a:t>
             </a:r>
           </a:p>
           <a:p>
             <a:pPr lvl="4"/>
             <a:r>
-              <a:rPr lang="en-US"/>
+              <a:rPr lang="en-US" altLang="zh-CN"/>
               <a:t>Fifth level</a:t>
             </a:r>
             <a:endParaRPr lang="en-US" dirty="0"/>
@@ -1177,8 +1177,8 @@
         </p:nvSpPr>
         <p:spPr>
           <a:xfrm>
-            <a:off x="9750147" y="4791843"/>
-            <a:ext cx="8185309" cy="11421255"/>
+            <a:off x="9750147" y="6708326"/>
+            <a:ext cx="8185309" cy="15989153"/>
           </a:xfrm>
         </p:spPr>
         <p:txBody>
@@ -1187,35 +1187,35 @@
           <a:p>
             <a:pPr lvl="0"/>
             <a:r>
-              <a:rPr lang="en-US"/>
-              <a:t>Edit Master text styles</a:t>
+              <a:rPr lang="en-US" altLang="zh-CN"/>
+              <a:t>Click to edit Master text styles</a:t>
             </a:r>
           </a:p>
           <a:p>
             <a:pPr lvl="1"/>
             <a:r>
-              <a:rPr lang="en-US"/>
+              <a:rPr lang="en-US" altLang="zh-CN"/>
               <a:t>Second level</a:t>
             </a:r>
           </a:p>
           <a:p>
             <a:pPr lvl="2"/>
             <a:r>
-              <a:rPr lang="en-US"/>
+              <a:rPr lang="en-US" altLang="zh-CN"/>
               <a:t>Third level</a:t>
             </a:r>
           </a:p>
           <a:p>
             <a:pPr lvl="3"/>
             <a:r>
-              <a:rPr lang="en-US"/>
+              <a:rPr lang="en-US" altLang="zh-CN"/>
               <a:t>Fourth level</a:t>
             </a:r>
           </a:p>
           <a:p>
             <a:pPr lvl="4"/>
             <a:r>
-              <a:rPr lang="en-US"/>
+              <a:rPr lang="en-US" altLang="zh-CN"/>
               <a:t>Fifth level</a:t>
             </a:r>
             <a:endParaRPr lang="en-US" dirty="0"/>
@@ -1239,7 +1239,7 @@
           <a:p>
             <a:fld id="{087BDACD-5C14-45ED-B18B-43AC31EB580A}" type="datetimeFigureOut">
               <a:rPr lang="en-HK" smtClean="0"/>
-              <a:t>22/10/2021</a:t>
+              <a:t>30/10/2021</a:t>
             </a:fld>
             <a:endParaRPr lang="en-HK"/>
           </a:p>
@@ -1290,7 +1290,7 @@
     </p:spTree>
     <p:extLst>
       <p:ext uri="{BB962C8B-B14F-4D97-AF65-F5344CB8AC3E}">
-        <p14:creationId xmlns:p14="http://schemas.microsoft.com/office/powerpoint/2010/main" val="1041309761"/>
+        <p14:creationId xmlns:p14="http://schemas.microsoft.com/office/powerpoint/2010/main" val="3944119215"/>
       </p:ext>
     </p:extLst>
   </p:cSld>
@@ -1329,8 +1329,8 @@
         </p:nvSpPr>
         <p:spPr>
           <a:xfrm>
-            <a:off x="1326603" y="958373"/>
-            <a:ext cx="16611362" cy="3479296"/>
+            <a:off x="1326603" y="1341671"/>
+            <a:ext cx="16611362" cy="4870830"/>
           </a:xfrm>
         </p:spPr>
         <p:txBody>
@@ -1338,7 +1338,7 @@
           <a:lstStyle/>
           <a:p>
             <a:r>
-              <a:rPr lang="en-US"/>
+              <a:rPr lang="en-US" altLang="zh-CN"/>
               <a:t>Click to edit Master title style</a:t>
             </a:r>
             <a:endParaRPr lang="en-US" dirty="0"/>
@@ -1357,8 +1357,8 @@
         </p:nvSpPr>
         <p:spPr>
           <a:xfrm>
-            <a:off x="1326605" y="4412664"/>
-            <a:ext cx="8147691" cy="2162578"/>
+            <a:off x="1326605" y="6177496"/>
+            <a:ext cx="8147691" cy="3027495"/>
           </a:xfrm>
         </p:spPr>
         <p:txBody>
@@ -1404,8 +1404,8 @@
           <a:p>
             <a:pPr lvl="0"/>
             <a:r>
-              <a:rPr lang="en-US"/>
-              <a:t>Edit Master text styles</a:t>
+              <a:rPr lang="en-US" altLang="zh-CN"/>
+              <a:t>Click to edit Master text styles</a:t>
             </a:r>
           </a:p>
         </p:txBody>
@@ -1422,8 +1422,8 @@
         </p:nvSpPr>
         <p:spPr>
           <a:xfrm>
-            <a:off x="1326605" y="6575242"/>
-            <a:ext cx="8147691" cy="9671191"/>
+            <a:off x="1326605" y="9204991"/>
+            <a:ext cx="8147691" cy="13539155"/>
           </a:xfrm>
         </p:spPr>
         <p:txBody>
@@ -1432,35 +1432,35 @@
           <a:p>
             <a:pPr lvl="0"/>
             <a:r>
-              <a:rPr lang="en-US"/>
-              <a:t>Edit Master text styles</a:t>
+              <a:rPr lang="en-US" altLang="zh-CN"/>
+              <a:t>Click to edit Master text styles</a:t>
             </a:r>
           </a:p>
           <a:p>
             <a:pPr lvl="1"/>
             <a:r>
-              <a:rPr lang="en-US"/>
+              <a:rPr lang="en-US" altLang="zh-CN"/>
               <a:t>Second level</a:t>
             </a:r>
           </a:p>
           <a:p>
             <a:pPr lvl="2"/>
             <a:r>
-              <a:rPr lang="en-US"/>
+              <a:rPr lang="en-US" altLang="zh-CN"/>
               <a:t>Third level</a:t>
             </a:r>
           </a:p>
           <a:p>
             <a:pPr lvl="3"/>
             <a:r>
-              <a:rPr lang="en-US"/>
+              <a:rPr lang="en-US" altLang="zh-CN"/>
               <a:t>Fourth level</a:t>
             </a:r>
           </a:p>
           <a:p>
             <a:pPr lvl="4"/>
             <a:r>
-              <a:rPr lang="en-US"/>
+              <a:rPr lang="en-US" altLang="zh-CN"/>
               <a:t>Fifth level</a:t>
             </a:r>
             <a:endParaRPr lang="en-US" dirty="0"/>
@@ -1479,8 +1479,8 @@
         </p:nvSpPr>
         <p:spPr>
           <a:xfrm>
-            <a:off x="9750148" y="4412664"/>
-            <a:ext cx="8187817" cy="2162578"/>
+            <a:off x="9750148" y="6177496"/>
+            <a:ext cx="8187817" cy="3027495"/>
           </a:xfrm>
         </p:spPr>
         <p:txBody>
@@ -1526,8 +1526,8 @@
           <a:p>
             <a:pPr lvl="0"/>
             <a:r>
-              <a:rPr lang="en-US"/>
-              <a:t>Edit Master text styles</a:t>
+              <a:rPr lang="en-US" altLang="zh-CN"/>
+              <a:t>Click to edit Master text styles</a:t>
             </a:r>
           </a:p>
         </p:txBody>
@@ -1544,8 +1544,8 @@
         </p:nvSpPr>
         <p:spPr>
           <a:xfrm>
-            <a:off x="9750148" y="6575242"/>
-            <a:ext cx="8187817" cy="9671191"/>
+            <a:off x="9750148" y="9204991"/>
+            <a:ext cx="8187817" cy="13539155"/>
           </a:xfrm>
         </p:spPr>
         <p:txBody>
@@ -1554,35 +1554,35 @@
           <a:p>
             <a:pPr lvl="0"/>
             <a:r>
-              <a:rPr lang="en-US"/>
-              <a:t>Edit Master text styles</a:t>
+              <a:rPr lang="en-US" altLang="zh-CN"/>
+              <a:t>Click to edit Master text styles</a:t>
             </a:r>
           </a:p>
           <a:p>
             <a:pPr lvl="1"/>
             <a:r>
-              <a:rPr lang="en-US"/>
+              <a:rPr lang="en-US" altLang="zh-CN"/>
               <a:t>Second level</a:t>
             </a:r>
           </a:p>
           <a:p>
             <a:pPr lvl="2"/>
             <a:r>
-              <a:rPr lang="en-US"/>
+              <a:rPr lang="en-US" altLang="zh-CN"/>
               <a:t>Third level</a:t>
             </a:r>
           </a:p>
           <a:p>
             <a:pPr lvl="3"/>
             <a:r>
-              <a:rPr lang="en-US"/>
+              <a:rPr lang="en-US" altLang="zh-CN"/>
               <a:t>Fourth level</a:t>
             </a:r>
           </a:p>
           <a:p>
             <a:pPr lvl="4"/>
             <a:r>
-              <a:rPr lang="en-US"/>
+              <a:rPr lang="en-US" altLang="zh-CN"/>
               <a:t>Fifth level</a:t>
             </a:r>
             <a:endParaRPr lang="en-US" dirty="0"/>
@@ -1606,7 +1606,7 @@
           <a:p>
             <a:fld id="{087BDACD-5C14-45ED-B18B-43AC31EB580A}" type="datetimeFigureOut">
               <a:rPr lang="en-HK" smtClean="0"/>
-              <a:t>22/10/2021</a:t>
+              <a:t>30/10/2021</a:t>
             </a:fld>
             <a:endParaRPr lang="en-HK"/>
           </a:p>
@@ -1657,7 +1657,7 @@
     </p:spTree>
     <p:extLst>
       <p:ext uri="{BB962C8B-B14F-4D97-AF65-F5344CB8AC3E}">
-        <p14:creationId xmlns:p14="http://schemas.microsoft.com/office/powerpoint/2010/main" val="1677640094"/>
+        <p14:creationId xmlns:p14="http://schemas.microsoft.com/office/powerpoint/2010/main" val="822771164"/>
       </p:ext>
     </p:extLst>
   </p:cSld>
@@ -1700,7 +1700,7 @@
           <a:lstStyle/>
           <a:p>
             <a:r>
-              <a:rPr lang="en-US"/>
+              <a:rPr lang="en-US" altLang="zh-CN"/>
               <a:t>Click to edit Master title style</a:t>
             </a:r>
             <a:endParaRPr lang="en-US" dirty="0"/>
@@ -1724,7 +1724,7 @@
           <a:p>
             <a:fld id="{087BDACD-5C14-45ED-B18B-43AC31EB580A}" type="datetimeFigureOut">
               <a:rPr lang="en-HK" smtClean="0"/>
-              <a:t>22/10/2021</a:t>
+              <a:t>30/10/2021</a:t>
             </a:fld>
             <a:endParaRPr lang="en-HK"/>
           </a:p>
@@ -1775,7 +1775,7 @@
     </p:spTree>
     <p:extLst>
       <p:ext uri="{BB962C8B-B14F-4D97-AF65-F5344CB8AC3E}">
-        <p14:creationId xmlns:p14="http://schemas.microsoft.com/office/powerpoint/2010/main" val="3931598493"/>
+        <p14:creationId xmlns:p14="http://schemas.microsoft.com/office/powerpoint/2010/main" val="2264128518"/>
       </p:ext>
     </p:extLst>
   </p:cSld>
@@ -1819,7 +1819,7 @@
           <a:p>
             <a:fld id="{087BDACD-5C14-45ED-B18B-43AC31EB580A}" type="datetimeFigureOut">
               <a:rPr lang="en-HK" smtClean="0"/>
-              <a:t>22/10/2021</a:t>
+              <a:t>30/10/2021</a:t>
             </a:fld>
             <a:endParaRPr lang="en-HK"/>
           </a:p>
@@ -1870,7 +1870,7 @@
     </p:spTree>
     <p:extLst>
       <p:ext uri="{BB962C8B-B14F-4D97-AF65-F5344CB8AC3E}">
-        <p14:creationId xmlns:p14="http://schemas.microsoft.com/office/powerpoint/2010/main" val="3871529777"/>
+        <p14:creationId xmlns:p14="http://schemas.microsoft.com/office/powerpoint/2010/main" val="1057080524"/>
       </p:ext>
     </p:extLst>
   </p:cSld>
@@ -1909,8 +1909,8 @@
         </p:nvSpPr>
         <p:spPr>
           <a:xfrm>
-            <a:off x="1326603" y="1200044"/>
-            <a:ext cx="6211706" cy="4200155"/>
+            <a:off x="1326603" y="1679998"/>
+            <a:ext cx="6211706" cy="5879994"/>
           </a:xfrm>
         </p:spPr>
         <p:txBody>
@@ -1922,7 +1922,7 @@
           </a:lstStyle>
           <a:p>
             <a:r>
-              <a:rPr lang="en-US"/>
+              <a:rPr lang="en-US" altLang="zh-CN"/>
               <a:t>Click to edit Master title style</a:t>
             </a:r>
             <a:endParaRPr lang="en-US" dirty="0"/>
@@ -1941,8 +1941,8 @@
         </p:nvSpPr>
         <p:spPr>
           <a:xfrm>
-            <a:off x="8187817" y="2591766"/>
-            <a:ext cx="9750147" cy="12792138"/>
+            <a:off x="8187817" y="3628335"/>
+            <a:ext cx="9750147" cy="17908316"/>
           </a:xfrm>
         </p:spPr>
         <p:txBody>
@@ -1979,35 +1979,35 @@
           <a:p>
             <a:pPr lvl="0"/>
             <a:r>
-              <a:rPr lang="en-US"/>
-              <a:t>Edit Master text styles</a:t>
+              <a:rPr lang="en-US" altLang="zh-CN"/>
+              <a:t>Click to edit Master text styles</a:t>
             </a:r>
           </a:p>
           <a:p>
             <a:pPr lvl="1"/>
             <a:r>
-              <a:rPr lang="en-US"/>
+              <a:rPr lang="en-US" altLang="zh-CN"/>
               <a:t>Second level</a:t>
             </a:r>
           </a:p>
           <a:p>
             <a:pPr lvl="2"/>
             <a:r>
-              <a:rPr lang="en-US"/>
+              <a:rPr lang="en-US" altLang="zh-CN"/>
               <a:t>Third level</a:t>
             </a:r>
           </a:p>
           <a:p>
             <a:pPr lvl="3"/>
             <a:r>
-              <a:rPr lang="en-US"/>
+              <a:rPr lang="en-US" altLang="zh-CN"/>
               <a:t>Fourth level</a:t>
             </a:r>
           </a:p>
           <a:p>
             <a:pPr lvl="4"/>
             <a:r>
-              <a:rPr lang="en-US"/>
+              <a:rPr lang="en-US" altLang="zh-CN"/>
               <a:t>Fifth level</a:t>
             </a:r>
             <a:endParaRPr lang="en-US" dirty="0"/>
@@ -2026,8 +2026,8 @@
         </p:nvSpPr>
         <p:spPr>
           <a:xfrm>
-            <a:off x="1326603" y="5400199"/>
-            <a:ext cx="6211706" cy="10004536"/>
+            <a:off x="1326603" y="7559993"/>
+            <a:ext cx="6211706" cy="14005821"/>
           </a:xfrm>
         </p:spPr>
         <p:txBody>
@@ -2073,8 +2073,8 @@
           <a:p>
             <a:pPr lvl="0"/>
             <a:r>
-              <a:rPr lang="en-US"/>
-              <a:t>Edit Master text styles</a:t>
+              <a:rPr lang="en-US" altLang="zh-CN"/>
+              <a:t>Click to edit Master text styles</a:t>
             </a:r>
           </a:p>
         </p:txBody>
@@ -2096,7 +2096,7 @@
           <a:p>
             <a:fld id="{087BDACD-5C14-45ED-B18B-43AC31EB580A}" type="datetimeFigureOut">
               <a:rPr lang="en-HK" smtClean="0"/>
-              <a:t>22/10/2021</a:t>
+              <a:t>30/10/2021</a:t>
             </a:fld>
             <a:endParaRPr lang="en-HK"/>
           </a:p>
@@ -2147,7 +2147,7 @@
     </p:spTree>
     <p:extLst>
       <p:ext uri="{BB962C8B-B14F-4D97-AF65-F5344CB8AC3E}">
-        <p14:creationId xmlns:p14="http://schemas.microsoft.com/office/powerpoint/2010/main" val="4068380578"/>
+        <p14:creationId xmlns:p14="http://schemas.microsoft.com/office/powerpoint/2010/main" val="2811236273"/>
       </p:ext>
     </p:extLst>
   </p:cSld>
@@ -2186,8 +2186,8 @@
         </p:nvSpPr>
         <p:spPr>
           <a:xfrm>
-            <a:off x="1326603" y="1200044"/>
-            <a:ext cx="6211706" cy="4200155"/>
+            <a:off x="1326603" y="1679998"/>
+            <a:ext cx="6211706" cy="5879994"/>
           </a:xfrm>
         </p:spPr>
         <p:txBody>
@@ -2199,7 +2199,7 @@
           </a:lstStyle>
           <a:p>
             <a:r>
-              <a:rPr lang="en-US"/>
+              <a:rPr lang="en-US" altLang="zh-CN"/>
               <a:t>Click to edit Master title style</a:t>
             </a:r>
             <a:endParaRPr lang="en-US" dirty="0"/>
@@ -2218,8 +2218,8 @@
         </p:nvSpPr>
         <p:spPr>
           <a:xfrm>
-            <a:off x="8187817" y="2591766"/>
-            <a:ext cx="9750147" cy="12792138"/>
+            <a:off x="8187817" y="3628335"/>
+            <a:ext cx="9750147" cy="17908316"/>
           </a:xfrm>
         </p:spPr>
         <p:txBody>
@@ -2264,7 +2264,7 @@
           </a:lstStyle>
           <a:p>
             <a:r>
-              <a:rPr lang="en-US"/>
+              <a:rPr lang="en-US" altLang="zh-CN"/>
               <a:t>Click icon to add picture</a:t>
             </a:r>
             <a:endParaRPr lang="en-US" dirty="0"/>
@@ -2283,8 +2283,8 @@
         </p:nvSpPr>
         <p:spPr>
           <a:xfrm>
-            <a:off x="1326603" y="5400199"/>
-            <a:ext cx="6211706" cy="10004536"/>
+            <a:off x="1326603" y="7559993"/>
+            <a:ext cx="6211706" cy="14005821"/>
           </a:xfrm>
         </p:spPr>
         <p:txBody>
@@ -2330,8 +2330,8 @@
           <a:p>
             <a:pPr lvl="0"/>
             <a:r>
-              <a:rPr lang="en-US"/>
-              <a:t>Edit Master text styles</a:t>
+              <a:rPr lang="en-US" altLang="zh-CN"/>
+              <a:t>Click to edit Master text styles</a:t>
             </a:r>
           </a:p>
         </p:txBody>
@@ -2353,7 +2353,7 @@
           <a:p>
             <a:fld id="{087BDACD-5C14-45ED-B18B-43AC31EB580A}" type="datetimeFigureOut">
               <a:rPr lang="en-HK" smtClean="0"/>
-              <a:t>22/10/2021</a:t>
+              <a:t>30/10/2021</a:t>
             </a:fld>
             <a:endParaRPr lang="en-HK"/>
           </a:p>
@@ -2404,7 +2404,7 @@
     </p:spTree>
     <p:extLst>
       <p:ext uri="{BB962C8B-B14F-4D97-AF65-F5344CB8AC3E}">
-        <p14:creationId xmlns:p14="http://schemas.microsoft.com/office/powerpoint/2010/main" val="3450361760"/>
+        <p14:creationId xmlns:p14="http://schemas.microsoft.com/office/powerpoint/2010/main" val="9592294"/>
       </p:ext>
     </p:extLst>
   </p:cSld>
@@ -2448,8 +2448,8 @@
         </p:nvSpPr>
         <p:spPr>
           <a:xfrm>
-            <a:off x="1324094" y="958373"/>
-            <a:ext cx="16611362" cy="3479296"/>
+            <a:off x="1324094" y="1341671"/>
+            <a:ext cx="16611362" cy="4870830"/>
           </a:xfrm>
           <a:prstGeom prst="rect">
             <a:avLst/>
@@ -2462,7 +2462,7 @@
           <a:lstStyle/>
           <a:p>
             <a:r>
-              <a:rPr lang="en-US"/>
+              <a:rPr lang="en-US" altLang="zh-CN"/>
               <a:t>Click to edit Master title style</a:t>
             </a:r>
             <a:endParaRPr lang="en-US" dirty="0"/>
@@ -2481,8 +2481,8 @@
         </p:nvSpPr>
         <p:spPr>
           <a:xfrm>
-            <a:off x="1324094" y="4791843"/>
-            <a:ext cx="16611362" cy="11421255"/>
+            <a:off x="1324094" y="6708326"/>
+            <a:ext cx="16611362" cy="15989153"/>
           </a:xfrm>
           <a:prstGeom prst="rect">
             <a:avLst/>
@@ -2496,35 +2496,35 @@
           <a:p>
             <a:pPr lvl="0"/>
             <a:r>
-              <a:rPr lang="en-US"/>
-              <a:t>Edit Master text styles</a:t>
+              <a:rPr lang="en-US" altLang="zh-CN"/>
+              <a:t>Click to edit Master text styles</a:t>
             </a:r>
           </a:p>
           <a:p>
             <a:pPr lvl="1"/>
             <a:r>
-              <a:rPr lang="en-US"/>
+              <a:rPr lang="en-US" altLang="zh-CN"/>
               <a:t>Second level</a:t>
             </a:r>
           </a:p>
           <a:p>
             <a:pPr lvl="2"/>
             <a:r>
-              <a:rPr lang="en-US"/>
+              <a:rPr lang="en-US" altLang="zh-CN"/>
               <a:t>Third level</a:t>
             </a:r>
           </a:p>
           <a:p>
             <a:pPr lvl="3"/>
             <a:r>
-              <a:rPr lang="en-US"/>
+              <a:rPr lang="en-US" altLang="zh-CN"/>
               <a:t>Fourth level</a:t>
             </a:r>
           </a:p>
           <a:p>
             <a:pPr lvl="4"/>
             <a:r>
-              <a:rPr lang="en-US"/>
+              <a:rPr lang="en-US" altLang="zh-CN"/>
               <a:t>Fifth level</a:t>
             </a:r>
             <a:endParaRPr lang="en-US" dirty="0"/>
@@ -2543,8 +2543,8 @@
         </p:nvSpPr>
         <p:spPr>
           <a:xfrm>
-            <a:off x="1324094" y="16683952"/>
-            <a:ext cx="4333399" cy="958369"/>
+            <a:off x="1324094" y="23356649"/>
+            <a:ext cx="4333399" cy="1341665"/>
           </a:xfrm>
           <a:prstGeom prst="rect">
             <a:avLst/>
@@ -2566,7 +2566,7 @@
           <a:p>
             <a:fld id="{087BDACD-5C14-45ED-B18B-43AC31EB580A}" type="datetimeFigureOut">
               <a:rPr lang="en-HK" smtClean="0"/>
-              <a:t>22/10/2021</a:t>
+              <a:t>30/10/2021</a:t>
             </a:fld>
             <a:endParaRPr lang="en-HK"/>
           </a:p>
@@ -2584,8 +2584,8 @@
         </p:nvSpPr>
         <p:spPr>
           <a:xfrm>
-            <a:off x="6379726" y="16683952"/>
-            <a:ext cx="6500098" cy="958369"/>
+            <a:off x="6379726" y="23356649"/>
+            <a:ext cx="6500098" cy="1341665"/>
           </a:xfrm>
           <a:prstGeom prst="rect">
             <a:avLst/>
@@ -2621,8 +2621,8 @@
         </p:nvSpPr>
         <p:spPr>
           <a:xfrm>
-            <a:off x="13602057" y="16683952"/>
-            <a:ext cx="4333399" cy="958369"/>
+            <a:off x="13602057" y="23356649"/>
+            <a:ext cx="4333399" cy="1341665"/>
           </a:xfrm>
           <a:prstGeom prst="rect">
             <a:avLst/>
@@ -2653,23 +2653,23 @@
     </p:spTree>
     <p:extLst>
       <p:ext uri="{BB962C8B-B14F-4D97-AF65-F5344CB8AC3E}">
-        <p14:creationId xmlns:p14="http://schemas.microsoft.com/office/powerpoint/2010/main" val="701447419"/>
+        <p14:creationId xmlns:p14="http://schemas.microsoft.com/office/powerpoint/2010/main" val="3801391169"/>
       </p:ext>
     </p:extLst>
   </p:cSld>
   <p:clrMap bg1="lt1" tx1="dk1" bg2="lt2" tx2="dk2" accent1="accent1" accent2="accent2" accent3="accent3" accent4="accent4" accent5="accent5" accent6="accent6" hlink="hlink" folHlink="folHlink"/>
   <p:sldLayoutIdLst>
-    <p:sldLayoutId id="2147483709" r:id="rId1"/>
-    <p:sldLayoutId id="2147483710" r:id="rId2"/>
-    <p:sldLayoutId id="2147483711" r:id="rId3"/>
-    <p:sldLayoutId id="2147483712" r:id="rId4"/>
-    <p:sldLayoutId id="2147483713" r:id="rId5"/>
-    <p:sldLayoutId id="2147483714" r:id="rId6"/>
-    <p:sldLayoutId id="2147483715" r:id="rId7"/>
-    <p:sldLayoutId id="2147483716" r:id="rId8"/>
-    <p:sldLayoutId id="2147483717" r:id="rId9"/>
-    <p:sldLayoutId id="2147483718" r:id="rId10"/>
-    <p:sldLayoutId id="2147483719" r:id="rId11"/>
+    <p:sldLayoutId id="2147483721" r:id="rId1"/>
+    <p:sldLayoutId id="2147483722" r:id="rId2"/>
+    <p:sldLayoutId id="2147483723" r:id="rId3"/>
+    <p:sldLayoutId id="2147483724" r:id="rId4"/>
+    <p:sldLayoutId id="2147483725" r:id="rId5"/>
+    <p:sldLayoutId id="2147483726" r:id="rId6"/>
+    <p:sldLayoutId id="2147483727" r:id="rId7"/>
+    <p:sldLayoutId id="2147483728" r:id="rId8"/>
+    <p:sldLayoutId id="2147483729" r:id="rId9"/>
+    <p:sldLayoutId id="2147483730" r:id="rId10"/>
+    <p:sldLayoutId id="2147483731" r:id="rId11"/>
   </p:sldLayoutIdLst>
   <p:txStyles>
     <p:titleStyle>
@@ -2985,7 +2985,7 @@
         </p:nvGrpSpPr>
         <p:grpSpPr>
           <a:xfrm>
-            <a:off x="513089" y="787"/>
+            <a:off x="683326" y="411767"/>
             <a:ext cx="17846005" cy="9692845"/>
             <a:chOff x="417900" y="1067583"/>
             <a:chExt cx="17483926" cy="9584133"/>
@@ -3026,9 +3026,9 @@
             <p:grpSpPr>
               <a:xfrm>
                 <a:off x="2048563" y="1111908"/>
-                <a:ext cx="6627385" cy="2745466"/>
+                <a:ext cx="6627385" cy="2848137"/>
                 <a:chOff x="2537018" y="1337021"/>
-                <a:chExt cx="6627385" cy="3069245"/>
+                <a:chExt cx="6627385" cy="3184024"/>
               </a:xfrm>
             </p:grpSpPr>
             <p:grpSp>
@@ -3046,9 +3046,9 @@
               <p:grpSpPr>
                 <a:xfrm>
                   <a:off x="2537018" y="1337021"/>
-                  <a:ext cx="6627385" cy="3069245"/>
+                  <a:ext cx="6627385" cy="3184024"/>
                   <a:chOff x="119980" y="-334408"/>
-                  <a:chExt cx="8343681" cy="6174883"/>
+                  <a:chExt cx="8343681" cy="6405801"/>
                 </a:xfrm>
               </p:grpSpPr>
               <p:sp>
@@ -3065,8 +3065,8 @@
                 </p:nvSpPr>
                 <p:spPr>
                   <a:xfrm>
-                    <a:off x="119980" y="1481618"/>
-                    <a:ext cx="235718" cy="3186359"/>
+                    <a:off x="119980" y="1481617"/>
+                    <a:ext cx="230936" cy="3186358"/>
                   </a:xfrm>
                   <a:prstGeom prst="rect">
                     <a:avLst/>
@@ -3448,7 +3448,7 @@
                 <p:spPr>
                   <a:xfrm>
                     <a:off x="1502917" y="5632196"/>
-                    <a:ext cx="110489" cy="208279"/>
+                    <a:ext cx="110489" cy="439197"/>
                   </a:xfrm>
                   <a:prstGeom prst="rect">
                     <a:avLst/>
@@ -3461,9 +3461,6 @@
                   <a:lstStyle/>
                   <a:p>
                     <a:pPr marL="12700">
-                      <a:lnSpc>
-                        <a:spcPct val="100000"/>
-                      </a:lnSpc>
                       <a:spcBef>
                         <a:spcPts val="100"/>
                       </a:spcBef>
@@ -3497,7 +3494,7 @@
                 <p:spPr>
                   <a:xfrm>
                     <a:off x="2781680" y="5632196"/>
-                    <a:ext cx="110489" cy="208279"/>
+                    <a:ext cx="110489" cy="439197"/>
                   </a:xfrm>
                   <a:prstGeom prst="rect">
                     <a:avLst/>
@@ -3510,9 +3507,6 @@
                   <a:lstStyle/>
                   <a:p>
                     <a:pPr marL="12700">
-                      <a:lnSpc>
-                        <a:spcPct val="100000"/>
-                      </a:lnSpc>
                       <a:spcBef>
                         <a:spcPts val="100"/>
                       </a:spcBef>
@@ -3546,7 +3540,7 @@
                 <p:spPr>
                   <a:xfrm>
                     <a:off x="4060444" y="5632196"/>
-                    <a:ext cx="110489" cy="208279"/>
+                    <a:ext cx="110489" cy="439197"/>
                   </a:xfrm>
                   <a:prstGeom prst="rect">
                     <a:avLst/>
@@ -3559,9 +3553,6 @@
                   <a:lstStyle/>
                   <a:p>
                     <a:pPr marL="12700">
-                      <a:lnSpc>
-                        <a:spcPct val="100000"/>
-                      </a:lnSpc>
                       <a:spcBef>
                         <a:spcPts val="100"/>
                       </a:spcBef>
@@ -3595,7 +3586,7 @@
                 <p:spPr>
                   <a:xfrm>
                     <a:off x="5339207" y="5632196"/>
-                    <a:ext cx="110489" cy="208279"/>
+                    <a:ext cx="110489" cy="439197"/>
                   </a:xfrm>
                   <a:prstGeom prst="rect">
                     <a:avLst/>
@@ -3608,9 +3599,6 @@
                   <a:lstStyle/>
                   <a:p>
                     <a:pPr marL="12700">
-                      <a:lnSpc>
-                        <a:spcPct val="100000"/>
-                      </a:lnSpc>
                       <a:spcBef>
                         <a:spcPts val="100"/>
                       </a:spcBef>
@@ -3644,7 +3632,7 @@
                 <p:spPr>
                   <a:xfrm>
                     <a:off x="6617969" y="5632196"/>
-                    <a:ext cx="110489" cy="208279"/>
+                    <a:ext cx="110489" cy="439197"/>
                   </a:xfrm>
                   <a:prstGeom prst="rect">
                     <a:avLst/>
@@ -3657,9 +3645,6 @@
                   <a:lstStyle/>
                   <a:p>
                     <a:pPr marL="12700">
-                      <a:lnSpc>
-                        <a:spcPct val="100000"/>
-                      </a:lnSpc>
                       <a:spcBef>
                         <a:spcPts val="100"/>
                       </a:spcBef>
@@ -3693,7 +3678,7 @@
                 <p:spPr>
                   <a:xfrm>
                     <a:off x="7896732" y="5632196"/>
-                    <a:ext cx="110489" cy="208279"/>
+                    <a:ext cx="110489" cy="439197"/>
                   </a:xfrm>
                   <a:prstGeom prst="rect">
                     <a:avLst/>
@@ -3706,9 +3691,6 @@
                   <a:lstStyle/>
                   <a:p>
                     <a:pPr marL="12700">
-                      <a:lnSpc>
-                        <a:spcPct val="100000"/>
-                      </a:lnSpc>
                       <a:spcBef>
                         <a:spcPts val="100"/>
                       </a:spcBef>
@@ -4078,7 +4060,7 @@
                 <p:spPr>
                   <a:xfrm>
                     <a:off x="379688" y="5238320"/>
-                    <a:ext cx="196215" cy="110489"/>
+                    <a:ext cx="221445" cy="110490"/>
                   </a:xfrm>
                   <a:prstGeom prst="rect">
                     <a:avLst/>
@@ -4123,8 +4105,8 @@
                 </p:nvSpPr>
                 <p:spPr>
                   <a:xfrm>
-                    <a:off x="379688" y="4378403"/>
-                    <a:ext cx="196215" cy="110489"/>
+                    <a:off x="379688" y="4378402"/>
+                    <a:ext cx="221445" cy="110490"/>
                   </a:xfrm>
                   <a:prstGeom prst="rect">
                     <a:avLst/>
@@ -4169,8 +4151,8 @@
                 </p:nvSpPr>
                 <p:spPr>
                   <a:xfrm>
-                    <a:off x="379688" y="3518486"/>
-                    <a:ext cx="196215" cy="110489"/>
+                    <a:off x="379688" y="3518487"/>
+                    <a:ext cx="221445" cy="110490"/>
                   </a:xfrm>
                   <a:prstGeom prst="rect">
                     <a:avLst/>
@@ -4216,7 +4198,7 @@
                 <p:spPr>
                   <a:xfrm>
                     <a:off x="379688" y="2658696"/>
-                    <a:ext cx="196215" cy="110489"/>
+                    <a:ext cx="221445" cy="110490"/>
                   </a:xfrm>
                   <a:prstGeom prst="rect">
                     <a:avLst/>
@@ -4261,8 +4243,8 @@
                 </p:nvSpPr>
                 <p:spPr>
                   <a:xfrm>
-                    <a:off x="379688" y="1798779"/>
-                    <a:ext cx="196215" cy="110489"/>
+                    <a:off x="379688" y="1798778"/>
+                    <a:ext cx="221445" cy="110490"/>
                   </a:xfrm>
                   <a:prstGeom prst="rect">
                     <a:avLst/>
@@ -4308,7 +4290,7 @@
                 <p:spPr>
                   <a:xfrm>
                     <a:off x="379688" y="896522"/>
-                    <a:ext cx="196215" cy="194945"/>
+                    <a:ext cx="442890" cy="194944"/>
                   </a:xfrm>
                   <a:prstGeom prst="rect">
                     <a:avLst/>
@@ -10700,9 +10682,6 @@
                       <a:lstStyle/>
                       <a:p>
                         <a:pPr algn="ctr">
-                          <a:lnSpc>
-                            <a:spcPct val="100000"/>
-                          </a:lnSpc>
                           <a:spcBef>
                             <a:spcPts val="100"/>
                           </a:spcBef>
@@ -10835,9 +10814,6 @@
                 <a:lstStyle/>
                 <a:p>
                   <a:pPr algn="ctr">
-                    <a:lnSpc>
-                      <a:spcPct val="100000"/>
-                    </a:lnSpc>
                     <a:spcBef>
                       <a:spcPts val="100"/>
                     </a:spcBef>
@@ -10879,9 +10855,9 @@
             <p:grpSpPr>
               <a:xfrm>
                 <a:off x="2057025" y="4203455"/>
-                <a:ext cx="6743097" cy="3279909"/>
+                <a:ext cx="6743097" cy="3226750"/>
                 <a:chOff x="106493" y="229615"/>
-                <a:chExt cx="8357167" cy="5919831"/>
+                <a:chExt cx="8357167" cy="5823886"/>
               </a:xfrm>
             </p:grpSpPr>
             <p:sp>
@@ -10899,7 +10875,7 @@
               <p:spPr>
                 <a:xfrm>
                   <a:off x="2487526" y="229615"/>
-                  <a:ext cx="4534707" cy="680202"/>
+                  <a:ext cx="4534707" cy="572155"/>
                 </a:xfrm>
                 <a:prstGeom prst="rect">
                   <a:avLst/>
@@ -10912,9 +10888,6 @@
                 <a:lstStyle/>
                 <a:p>
                   <a:pPr marL="12700" algn="ctr">
-                    <a:lnSpc>
-                      <a:spcPct val="100000"/>
-                    </a:lnSpc>
                     <a:spcBef>
                       <a:spcPts val="100"/>
                     </a:spcBef>
@@ -10957,8 +10930,8 @@
               </p:nvSpPr>
               <p:spPr>
                 <a:xfrm>
-                  <a:off x="106493" y="1608681"/>
-                  <a:ext cx="232048" cy="3000712"/>
+                  <a:off x="106493" y="1608682"/>
+                  <a:ext cx="227340" cy="3000712"/>
                 </a:xfrm>
                 <a:prstGeom prst="rect">
                   <a:avLst/>
@@ -10970,52 +10943,27 @@
                 </a:bodyPr>
                 <a:lstStyle/>
                 <a:p>
-                  <a:pPr marL="12700" marR="0" lvl="0" indent="0" algn="ctr" defTabSz="457200" rtl="0" eaLnBrk="1" fontAlgn="auto" latinLnBrk="0" hangingPunct="1">
+                  <a:pPr marL="12700" algn="ctr">
                     <a:lnSpc>
                       <a:spcPts val="1425"/>
                     </a:lnSpc>
-                    <a:spcBef>
-                      <a:spcPts val="0"/>
-                    </a:spcBef>
-                    <a:spcAft>
-                      <a:spcPts val="0"/>
-                    </a:spcAft>
-                    <a:buClrTx/>
-                    <a:buSzTx/>
-                    <a:buFontTx/>
-                    <a:buNone/>
-                    <a:tabLst/>
                     <a:defRPr/>
                   </a:pPr>
                   <a:r>
-                    <a:rPr kumimoji="0" lang="en-US" altLang="zh-CN" sz="1800" b="1" i="1" u="none" strike="noStrike" kern="1200" cap="none" spc="-10" normalizeH="0" baseline="0" noProof="0" dirty="0">
-                      <a:ln>
-                        <a:noFill/>
-                      </a:ln>
+                    <a:rPr lang="en-US" altLang="zh-CN" b="1" i="1" spc="-10" dirty="0">
                       <a:solidFill>
                         <a:prstClr val="black"/>
                       </a:solidFill>
-                      <a:effectLst/>
-                      <a:uLnTx/>
-                      <a:uFillTx/>
                       <a:latin typeface="Arial"/>
-                      <a:ea typeface="+mn-ea"/>
                       <a:cs typeface="Arial"/>
                     </a:rPr>
                     <a:t>Percentage</a:t>
                   </a:r>
-                  <a:endParaRPr kumimoji="0" lang="en-US" altLang="zh-CN" sz="1800" b="1" i="1" u="none" strike="noStrike" kern="1200" cap="none" spc="0" normalizeH="0" baseline="0" noProof="0" dirty="0">
-                    <a:ln>
-                      <a:noFill/>
-                    </a:ln>
+                  <a:endParaRPr lang="en-US" altLang="zh-CN" b="1" i="1" dirty="0">
                     <a:solidFill>
                       <a:prstClr val="black"/>
                     </a:solidFill>
-                    <a:effectLst/>
-                    <a:uLnTx/>
-                    <a:uFillTx/>
                     <a:latin typeface="Arial"/>
-                    <a:ea typeface="+mn-ea"/>
                     <a:cs typeface="Arial"/>
                   </a:endParaRPr>
                 </a:p>
@@ -11323,8 +11271,8 @@
               </p:nvSpPr>
               <p:spPr>
                 <a:xfrm>
-                  <a:off x="1806448" y="5632196"/>
-                  <a:ext cx="110489" cy="208279"/>
+                  <a:off x="1806448" y="5632197"/>
+                  <a:ext cx="110489" cy="352447"/>
                 </a:xfrm>
                 <a:prstGeom prst="rect">
                   <a:avLst/>
@@ -11337,9 +11285,6 @@
                 <a:lstStyle/>
                 <a:p>
                   <a:pPr marL="12700">
-                    <a:lnSpc>
-                      <a:spcPct val="100000"/>
-                    </a:lnSpc>
                     <a:spcBef>
                       <a:spcPts val="100"/>
                     </a:spcBef>
@@ -11372,8 +11317,8 @@
               </p:nvSpPr>
               <p:spPr>
                 <a:xfrm>
-                  <a:off x="3436492" y="5632196"/>
-                  <a:ext cx="110489" cy="208279"/>
+                  <a:off x="3436492" y="5632197"/>
+                  <a:ext cx="110489" cy="352447"/>
                 </a:xfrm>
                 <a:prstGeom prst="rect">
                   <a:avLst/>
@@ -11386,9 +11331,6 @@
                 <a:lstStyle/>
                 <a:p>
                   <a:pPr marL="12700">
-                    <a:lnSpc>
-                      <a:spcPct val="100000"/>
-                    </a:lnSpc>
                     <a:spcBef>
                       <a:spcPts val="100"/>
                     </a:spcBef>
@@ -11422,7 +11364,7 @@
               <p:spPr>
                 <a:xfrm>
                   <a:off x="4241165" y="5545428"/>
-                  <a:ext cx="1028065" cy="604018"/>
+                  <a:ext cx="1028065" cy="508073"/>
                 </a:xfrm>
                 <a:prstGeom prst="rect">
                   <a:avLst/>
@@ -11435,9 +11377,6 @@
                 <a:lstStyle/>
                 <a:p>
                   <a:pPr marR="96520" algn="r">
-                    <a:lnSpc>
-                      <a:spcPct val="100000"/>
-                    </a:lnSpc>
                     <a:spcBef>
                       <a:spcPts val="780"/>
                     </a:spcBef>
@@ -11470,8 +11409,8 @@
               </p:nvSpPr>
               <p:spPr>
                 <a:xfrm>
-                  <a:off x="6696582" y="5632196"/>
-                  <a:ext cx="110489" cy="208279"/>
+                  <a:off x="6696581" y="5632195"/>
+                  <a:ext cx="110489" cy="352447"/>
                 </a:xfrm>
                 <a:prstGeom prst="rect">
                   <a:avLst/>
@@ -11484,9 +11423,6 @@
                 <a:lstStyle/>
                 <a:p>
                   <a:pPr marL="12700">
-                    <a:lnSpc>
-                      <a:spcPct val="100000"/>
-                    </a:lnSpc>
                     <a:spcBef>
                       <a:spcPts val="100"/>
                     </a:spcBef>
@@ -11519,8 +11455,8 @@
               </p:nvSpPr>
               <p:spPr>
                 <a:xfrm>
-                  <a:off x="8326755" y="5632196"/>
-                  <a:ext cx="110489" cy="208279"/>
+                  <a:off x="8326755" y="5632195"/>
+                  <a:ext cx="110489" cy="352447"/>
                 </a:xfrm>
                 <a:prstGeom prst="rect">
                   <a:avLst/>
@@ -11533,9 +11469,6 @@
                 <a:lstStyle/>
                 <a:p>
                   <a:pPr marL="12700">
-                    <a:lnSpc>
-                      <a:spcPct val="100000"/>
-                    </a:lnSpc>
                     <a:spcBef>
                       <a:spcPts val="100"/>
                     </a:spcBef>
@@ -11857,7 +11790,7 @@
               <p:spPr>
                 <a:xfrm>
                   <a:off x="379688" y="5238320"/>
-                  <a:ext cx="196215" cy="110489"/>
+                  <a:ext cx="217996" cy="110488"/>
                 </a:xfrm>
                 <a:prstGeom prst="rect">
                   <a:avLst/>
@@ -11902,8 +11835,8 @@
               </p:nvSpPr>
               <p:spPr>
                 <a:xfrm>
-                  <a:off x="379688" y="4209620"/>
-                  <a:ext cx="196215" cy="110489"/>
+                  <a:off x="379688" y="4209619"/>
+                  <a:ext cx="217996" cy="110488"/>
                 </a:xfrm>
                 <a:prstGeom prst="rect">
                   <a:avLst/>
@@ -11948,8 +11881,8 @@
               </p:nvSpPr>
               <p:spPr>
                 <a:xfrm>
-                  <a:off x="379688" y="3180920"/>
-                  <a:ext cx="196215" cy="110489"/>
+                  <a:off x="379688" y="3180921"/>
+                  <a:ext cx="217996" cy="110488"/>
                 </a:xfrm>
                 <a:prstGeom prst="rect">
                   <a:avLst/>
@@ -11995,7 +11928,7 @@
               <p:spPr>
                 <a:xfrm>
                   <a:off x="379688" y="2152220"/>
-                  <a:ext cx="196215" cy="110489"/>
+                  <a:ext cx="217996" cy="110488"/>
                 </a:xfrm>
                 <a:prstGeom prst="rect">
                   <a:avLst/>
@@ -12041,7 +11974,7 @@
               <p:spPr>
                 <a:xfrm>
                   <a:off x="379688" y="1123520"/>
-                  <a:ext cx="196215" cy="110489"/>
+                  <a:ext cx="217996" cy="110488"/>
                 </a:xfrm>
                 <a:prstGeom prst="rect">
                   <a:avLst/>
@@ -21508,9 +21441,6 @@
                 <a:lstStyle/>
                 <a:p>
                   <a:pPr marL="12700">
-                    <a:lnSpc>
-                      <a:spcPct val="100000"/>
-                    </a:lnSpc>
                     <a:spcBef>
                       <a:spcPts val="100"/>
                     </a:spcBef>
@@ -21559,10 +21489,10 @@
               </p:nvGrpSpPr>
               <p:grpSpPr>
                 <a:xfrm>
-                  <a:off x="926234" y="517372"/>
-                  <a:ext cx="17254770" cy="7475679"/>
-                  <a:chOff x="13928" y="749808"/>
-                  <a:chExt cx="17254770" cy="11738265"/>
+                  <a:off x="926234" y="186175"/>
+                  <a:ext cx="17254770" cy="7806876"/>
+                  <a:chOff x="13928" y="229764"/>
+                  <a:chExt cx="17254770" cy="12258309"/>
                 </a:xfrm>
               </p:grpSpPr>
               <p:sp>
@@ -21977,9 +21907,6 @@
                   <a:lstStyle/>
                   <a:p>
                     <a:pPr marL="12700" algn="ctr" defTabSz="7200000">
-                      <a:lnSpc>
-                        <a:spcPct val="100000"/>
-                      </a:lnSpc>
                       <a:spcBef>
                         <a:spcPts val="100"/>
                       </a:spcBef>
@@ -22022,9 +21949,6 @@
                   <a:lstStyle/>
                   <a:p>
                     <a:pPr marL="12700" algn="ctr" defTabSz="7200000">
-                      <a:lnSpc>
-                        <a:spcPct val="100000"/>
-                      </a:lnSpc>
                       <a:spcBef>
                         <a:spcPts val="100"/>
                       </a:spcBef>
@@ -22071,9 +21995,6 @@
                   <a:lstStyle/>
                   <a:p>
                     <a:pPr marL="12700" algn="ctr" defTabSz="7200000">
-                      <a:lnSpc>
-                        <a:spcPct val="100000"/>
-                      </a:lnSpc>
                       <a:spcBef>
                         <a:spcPts val="100"/>
                       </a:spcBef>
@@ -22116,9 +22037,6 @@
                   <a:lstStyle/>
                   <a:p>
                     <a:pPr marL="12700" algn="ctr" defTabSz="7200000">
-                      <a:lnSpc>
-                        <a:spcPct val="100000"/>
-                      </a:lnSpc>
                       <a:spcBef>
                         <a:spcPts val="100"/>
                       </a:spcBef>
@@ -22165,9 +22083,6 @@
                   <a:lstStyle/>
                   <a:p>
                     <a:pPr marL="12700" algn="ctr" defTabSz="7200000">
-                      <a:lnSpc>
-                        <a:spcPct val="100000"/>
-                      </a:lnSpc>
                       <a:spcBef>
                         <a:spcPts val="100"/>
                       </a:spcBef>
@@ -22214,9 +22129,6 @@
                   <a:lstStyle/>
                   <a:p>
                     <a:pPr marL="12700" algn="ctr" defTabSz="7200000">
-                      <a:lnSpc>
-                        <a:spcPct val="100000"/>
-                      </a:lnSpc>
                       <a:spcBef>
                         <a:spcPts val="100"/>
                       </a:spcBef>
@@ -22592,8 +22504,8 @@
                 </p:nvSpPr>
                 <p:spPr>
                   <a:xfrm>
-                    <a:off x="379688" y="11453369"/>
-                    <a:ext cx="187231" cy="110488"/>
+                    <a:off x="379688" y="11453370"/>
+                    <a:ext cx="183432" cy="110488"/>
                   </a:xfrm>
                   <a:prstGeom prst="rect">
                     <a:avLst/>
@@ -22639,7 +22551,7 @@
                 <p:spPr>
                   <a:xfrm>
                     <a:off x="379688" y="9406002"/>
-                    <a:ext cx="187231" cy="110488"/>
+                    <a:ext cx="183432" cy="110488"/>
                   </a:xfrm>
                   <a:prstGeom prst="rect">
                     <a:avLst/>
@@ -22685,7 +22597,7 @@
                 <p:spPr>
                   <a:xfrm>
                     <a:off x="379688" y="7358634"/>
-                    <a:ext cx="187231" cy="110488"/>
+                    <a:ext cx="183432" cy="110488"/>
                   </a:xfrm>
                   <a:prstGeom prst="rect">
                     <a:avLst/>
@@ -22730,8 +22642,8 @@
                 </p:nvSpPr>
                 <p:spPr>
                   <a:xfrm>
-                    <a:off x="379688" y="5311268"/>
-                    <a:ext cx="187231" cy="110488"/>
+                    <a:off x="379688" y="5311267"/>
+                    <a:ext cx="183432" cy="110488"/>
                   </a:xfrm>
                   <a:prstGeom prst="rect">
                     <a:avLst/>
@@ -22776,8 +22688,8 @@
                 </p:nvSpPr>
                 <p:spPr>
                   <a:xfrm>
-                    <a:off x="379688" y="3263900"/>
-                    <a:ext cx="187231" cy="110488"/>
+                    <a:off x="379688" y="3263899"/>
+                    <a:ext cx="183432" cy="110488"/>
                   </a:xfrm>
                   <a:prstGeom prst="rect">
                     <a:avLst/>
@@ -22822,8 +22734,8 @@
                 </p:nvSpPr>
                 <p:spPr>
                   <a:xfrm>
-                    <a:off x="425652" y="779042"/>
-                    <a:ext cx="187231" cy="657063"/>
+                    <a:off x="425652" y="779041"/>
+                    <a:ext cx="183432" cy="657062"/>
                   </a:xfrm>
                   <a:prstGeom prst="rect">
                     <a:avLst/>
@@ -28834,7 +28746,7 @@
                 </p:nvSpPr>
                 <p:spPr>
                   <a:xfrm>
-                    <a:off x="8070933" y="1544741"/>
+                    <a:off x="9707044" y="229764"/>
                     <a:ext cx="2757976" cy="696712"/>
                   </a:xfrm>
                   <a:prstGeom prst="rect">
@@ -28848,27 +28760,24 @@
                   <a:lstStyle/>
                   <a:p>
                     <a:pPr marL="12700" algn="ctr" defTabSz="7200000">
-                      <a:lnSpc>
-                        <a:spcPct val="100000"/>
-                      </a:lnSpc>
                       <a:spcBef>
                         <a:spcPts val="100"/>
                       </a:spcBef>
                     </a:pPr>
                     <a:r>
-                      <a:rPr sz="2800" b="1" dirty="0">
+                      <a:rPr sz="2800" dirty="0">
                         <a:cs typeface="Arial"/>
                       </a:rPr>
                       <a:t>median =</a:t>
                     </a:r>
                     <a:r>
-                      <a:rPr sz="2800" b="1" spc="240" dirty="0">
+                      <a:rPr sz="2800" spc="240" dirty="0">
                         <a:cs typeface="Arial"/>
                       </a:rPr>
                       <a:t> </a:t>
                     </a:r>
                     <a:r>
-                      <a:rPr sz="2800" b="1" dirty="0">
+                      <a:rPr sz="2800" dirty="0">
                         <a:cs typeface="Arial"/>
                       </a:rPr>
                       <a:t>−2.80</a:t>
@@ -28917,14 +28826,14 @@
                             <m:sSub>
                               <m:sSubPr>
                                 <m:ctrlPr>
-                                  <a:rPr lang="en-US" altLang="zh-CN" sz="2400" i="1" smtClean="0">
+                                  <a:rPr lang="en-US" altLang="zh-CN" sz="2400" i="1">
                                     <a:latin typeface="Cambria Math" panose="02040503050406030204" pitchFamily="18" charset="0"/>
                                   </a:rPr>
                                 </m:ctrlPr>
                               </m:sSubPr>
                               <m:e>
                                 <m:r>
-                                  <a:rPr lang="en-US" altLang="zh-CN" sz="2400" b="0" i="1">
+                                  <a:rPr lang="en-US" altLang="zh-CN" sz="2400" i="1">
                                     <a:latin typeface="Cambria Math" panose="02040503050406030204" pitchFamily="18" charset="0"/>
                                   </a:rPr>
                                   <m:t>𝑙𝑜𝑔</m:t>
@@ -28932,7 +28841,7 @@
                               </m:e>
                               <m:sub>
                                 <m:r>
-                                  <a:rPr lang="en-US" altLang="zh-CN" sz="2400" b="0" i="1">
+                                  <a:rPr lang="en-US" altLang="zh-CN" sz="2400" i="1">
                                     <a:latin typeface="Cambria Math" panose="02040503050406030204" pitchFamily="18" charset="0"/>
                                   </a:rPr>
                                   <m:t>10</m:t>
@@ -28940,7 +28849,7 @@
                               </m:sub>
                             </m:sSub>
                             <m:r>
-                              <a:rPr lang="en-US" altLang="zh-CN" sz="2400" b="0" i="1">
+                              <a:rPr lang="en-US" altLang="zh-CN" sz="2400" i="1">
                                 <a:latin typeface="Cambria Math" panose="02040503050406030204" pitchFamily="18" charset="0"/>
                               </a:rPr>
                               <m:t> </m:t>
@@ -28955,7 +28864,7 @@
                               </m:fPr>
                               <m:num>
                                 <m:r>
-                                  <a:rPr lang="en-US" altLang="zh-CN" sz="2400" b="0" i="1" smtClean="0">
+                                  <a:rPr lang="en-US" altLang="zh-CN" sz="2400" i="1">
                                     <a:latin typeface="Cambria Math" panose="02040503050406030204" pitchFamily="18" charset="0"/>
                                   </a:rPr>
                                   <m:t>𝐹𝑢𝑛𝑔𝑖</m:t>
@@ -28963,7 +28872,7 @@
                               </m:num>
                               <m:den>
                                 <m:r>
-                                  <a:rPr lang="en-US" altLang="zh-CN" sz="2400" b="0" i="1">
+                                  <a:rPr lang="en-US" altLang="zh-CN" sz="2400" i="1">
                                     <a:latin typeface="Cambria Math" panose="02040503050406030204" pitchFamily="18" charset="0"/>
                                   </a:rPr>
                                   <m:t>𝐵𝑎𝑐𝑡𝑒𝑟𝑖𝑎</m:t>
@@ -29061,25 +28970,25 @@
                           </m:oMathParaPr>
                           <m:oMath xmlns:m="http://schemas.openxmlformats.org/officeDocument/2006/math">
                             <m:r>
-                              <a:rPr lang="en-US" altLang="zh-CN" sz="2800" b="1" i="1" smtClean="0">
+                              <a:rPr lang="en-US" altLang="zh-CN" sz="2800" b="1" i="1">
                                 <a:latin typeface="Cambria Math" panose="02040503050406030204" pitchFamily="18" charset="0"/>
                               </a:rPr>
                               <m:t>𝑯𝒊𝒔𝒕𝒐𝒈𝒓𝒂𝒎</m:t>
                             </m:r>
                             <m:r>
-                              <a:rPr lang="en-US" altLang="zh-CN" sz="2800" b="1" i="1" smtClean="0">
+                              <a:rPr lang="en-US" altLang="zh-CN" sz="2800" b="1" i="1">
                                 <a:latin typeface="Cambria Math" panose="02040503050406030204" pitchFamily="18" charset="0"/>
                               </a:rPr>
                               <m:t> </m:t>
                             </m:r>
                             <m:r>
-                              <a:rPr lang="en-US" altLang="zh-CN" sz="2800" b="1" i="1" smtClean="0">
+                              <a:rPr lang="en-US" altLang="zh-CN" sz="2800" b="1" i="1">
                                 <a:latin typeface="Cambria Math" panose="02040503050406030204" pitchFamily="18" charset="0"/>
                               </a:rPr>
                               <m:t>𝒇𝒐𝒓</m:t>
                             </m:r>
                             <m:r>
-                              <a:rPr lang="en-US" altLang="zh-CN" sz="2800" b="1" i="1" smtClean="0">
+                              <a:rPr lang="en-US" altLang="zh-CN" sz="2800" b="1" i="1">
                                 <a:latin typeface="Cambria Math" panose="02040503050406030204" pitchFamily="18" charset="0"/>
                               </a:rPr>
                               <m:t> </m:t>
@@ -29087,7 +28996,7 @@
                             <m:sSub>
                               <m:sSubPr>
                                 <m:ctrlPr>
-                                  <a:rPr lang="en-US" altLang="zh-CN" sz="2800" b="1" i="1" smtClean="0">
+                                  <a:rPr lang="en-US" altLang="zh-CN" sz="2800" b="1" i="1">
                                     <a:latin typeface="Cambria Math" panose="02040503050406030204" pitchFamily="18" charset="0"/>
                                   </a:rPr>
                                 </m:ctrlPr>
@@ -29102,7 +29011,7 @@
                               </m:e>
                               <m:sub>
                                 <m:r>
-                                  <a:rPr lang="en-US" altLang="zh-CN" sz="2800" b="1" i="1" smtClean="0">
+                                  <a:rPr lang="en-US" altLang="zh-CN" sz="2800" b="1" i="1">
                                     <a:latin typeface="Cambria Math" panose="02040503050406030204" pitchFamily="18" charset="0"/>
                                   </a:rPr>
                                   <m:t>𝟏𝟎</m:t>
@@ -29110,7 +29019,7 @@
                               </m:sub>
                             </m:sSub>
                             <m:r>
-                              <a:rPr lang="en-US" altLang="zh-CN" sz="2800" b="1" i="1" smtClean="0">
+                              <a:rPr lang="en-US" altLang="zh-CN" sz="2800" b="1" i="1">
                                 <a:latin typeface="Cambria Math" panose="02040503050406030204" pitchFamily="18" charset="0"/>
                               </a:rPr>
                               <m:t> </m:t>
@@ -29118,14 +29027,14 @@
                             <m:f>
                               <m:fPr>
                                 <m:ctrlPr>
-                                  <a:rPr lang="en-US" altLang="zh-CN" sz="2800" b="1" i="1" smtClean="0">
+                                  <a:rPr lang="en-US" altLang="zh-CN" sz="2800" b="1" i="1">
                                     <a:latin typeface="Cambria Math" panose="02040503050406030204" pitchFamily="18" charset="0"/>
                                   </a:rPr>
                                 </m:ctrlPr>
                               </m:fPr>
                               <m:num>
                                 <m:r>
-                                  <a:rPr lang="en-US" altLang="zh-CN" sz="2800" b="1" i="1" smtClean="0">
+                                  <a:rPr lang="en-US" altLang="zh-CN" sz="2800" b="1" i="1">
                                     <a:latin typeface="Cambria Math" panose="02040503050406030204" pitchFamily="18" charset="0"/>
                                   </a:rPr>
                                   <m:t>𝑭𝒖𝒏𝒈𝒊</m:t>
@@ -29133,7 +29042,7 @@
                               </m:num>
                               <m:den>
                                 <m:r>
-                                  <a:rPr lang="en-US" altLang="zh-CN" sz="2800" b="1" i="1" smtClean="0">
+                                  <a:rPr lang="en-US" altLang="zh-CN" sz="2800" b="1" i="1">
                                     <a:latin typeface="Cambria Math" panose="02040503050406030204" pitchFamily="18" charset="0"/>
                                   </a:rPr>
                                   <m:t>𝑩𝒂𝒄𝒕𝒆𝒓𝒊𝒂</m:t>
@@ -29183,7 +29092,7 @@
                     <a:lstStyle/>
                     <a:p>
                       <a:r>
-                        <a:rPr lang="en-HK">
+                        <a:rPr lang="zh-CN" altLang="en-US">
                           <a:noFill/>
                         </a:rPr>
                         <a:t> </a:t>
@@ -29246,7 +29155,7 @@
         </p:nvGrpSpPr>
         <p:grpSpPr>
           <a:xfrm>
-            <a:off x="398409" y="9730044"/>
+            <a:off x="568646" y="10141023"/>
             <a:ext cx="7730401" cy="7068954"/>
             <a:chOff x="8291671" y="14906945"/>
             <a:chExt cx="9805398" cy="6989671"/>
@@ -29412,33 +29321,13 @@
                 <a:bodyPr wrap="square" lIns="0" tIns="0" rIns="0" bIns="0" rtlCol="0"/>
                 <a:lstStyle/>
                 <a:p>
-                  <a:pPr marL="0" marR="0" lvl="0" indent="0" defTabSz="914400" eaLnBrk="1" fontAlgn="auto" latinLnBrk="0" hangingPunct="1">
-                    <a:lnSpc>
-                      <a:spcPct val="100000"/>
-                    </a:lnSpc>
-                    <a:spcBef>
-                      <a:spcPts val="0"/>
-                    </a:spcBef>
-                    <a:spcAft>
-                      <a:spcPts val="0"/>
-                    </a:spcAft>
-                    <a:buClrTx/>
-                    <a:buSzTx/>
-                    <a:buFontTx/>
-                    <a:buNone/>
-                    <a:tabLst/>
+                  <a:pPr defTabSz="914400">
                     <a:defRPr/>
                   </a:pPr>
-                  <a:endParaRPr kumimoji="0" sz="1800" b="0" i="0" u="none" strike="noStrike" kern="0" cap="none" spc="0" normalizeH="0" baseline="0" noProof="0" dirty="0">
-                    <a:ln>
-                      <a:noFill/>
-                    </a:ln>
+                  <a:endParaRPr kern="0" dirty="0">
                     <a:solidFill>
                       <a:prstClr val="black"/>
                     </a:solidFill>
-                    <a:effectLst/>
-                    <a:uLnTx/>
-                    <a:uFillTx/>
                   </a:endParaRPr>
                 </a:p>
               </p:txBody>
@@ -29487,33 +29376,13 @@
                 <a:bodyPr wrap="square" lIns="0" tIns="0" rIns="0" bIns="0" rtlCol="0"/>
                 <a:lstStyle/>
                 <a:p>
-                  <a:pPr marL="0" marR="0" lvl="0" indent="0" defTabSz="914400" eaLnBrk="1" fontAlgn="auto" latinLnBrk="0" hangingPunct="1">
-                    <a:lnSpc>
-                      <a:spcPct val="100000"/>
-                    </a:lnSpc>
-                    <a:spcBef>
-                      <a:spcPts val="0"/>
-                    </a:spcBef>
-                    <a:spcAft>
-                      <a:spcPts val="0"/>
-                    </a:spcAft>
-                    <a:buClrTx/>
-                    <a:buSzTx/>
-                    <a:buFontTx/>
-                    <a:buNone/>
-                    <a:tabLst/>
+                  <a:pPr defTabSz="914400">
                     <a:defRPr/>
                   </a:pPr>
-                  <a:endParaRPr kumimoji="0" sz="1800" b="0" i="0" u="none" strike="noStrike" kern="0" cap="none" spc="0" normalizeH="0" baseline="0" noProof="0">
-                    <a:ln>
-                      <a:noFill/>
-                    </a:ln>
+                  <a:endParaRPr kern="0">
                     <a:solidFill>
                       <a:prstClr val="black"/>
                     </a:solidFill>
-                    <a:effectLst/>
-                    <a:uLnTx/>
-                    <a:uFillTx/>
                   </a:endParaRPr>
                 </a:p>
               </p:txBody>
@@ -29562,33 +29431,13 @@
                 <a:bodyPr wrap="square" lIns="0" tIns="0" rIns="0" bIns="0" rtlCol="0"/>
                 <a:lstStyle/>
                 <a:p>
-                  <a:pPr marL="0" marR="0" lvl="0" indent="0" defTabSz="914400" eaLnBrk="1" fontAlgn="auto" latinLnBrk="0" hangingPunct="1">
-                    <a:lnSpc>
-                      <a:spcPct val="100000"/>
-                    </a:lnSpc>
-                    <a:spcBef>
-                      <a:spcPts val="0"/>
-                    </a:spcBef>
-                    <a:spcAft>
-                      <a:spcPts val="0"/>
-                    </a:spcAft>
-                    <a:buClrTx/>
-                    <a:buSzTx/>
-                    <a:buFontTx/>
-                    <a:buNone/>
-                    <a:tabLst/>
+                  <a:pPr defTabSz="914400">
                     <a:defRPr/>
                   </a:pPr>
-                  <a:endParaRPr kumimoji="0" sz="1800" b="0" i="0" u="none" strike="noStrike" kern="0" cap="none" spc="0" normalizeH="0" baseline="0" noProof="0">
-                    <a:ln>
-                      <a:noFill/>
-                    </a:ln>
+                  <a:endParaRPr kern="0">
                     <a:solidFill>
                       <a:prstClr val="black"/>
                     </a:solidFill>
-                    <a:effectLst/>
-                    <a:uLnTx/>
-                    <a:uFillTx/>
                   </a:endParaRPr>
                 </a:p>
               </p:txBody>
@@ -29637,33 +29486,13 @@
                 <a:bodyPr wrap="square" lIns="0" tIns="0" rIns="0" bIns="0" rtlCol="0"/>
                 <a:lstStyle/>
                 <a:p>
-                  <a:pPr marL="0" marR="0" lvl="0" indent="0" defTabSz="914400" eaLnBrk="1" fontAlgn="auto" latinLnBrk="0" hangingPunct="1">
-                    <a:lnSpc>
-                      <a:spcPct val="100000"/>
-                    </a:lnSpc>
-                    <a:spcBef>
-                      <a:spcPts val="0"/>
-                    </a:spcBef>
-                    <a:spcAft>
-                      <a:spcPts val="0"/>
-                    </a:spcAft>
-                    <a:buClrTx/>
-                    <a:buSzTx/>
-                    <a:buFontTx/>
-                    <a:buNone/>
-                    <a:tabLst/>
+                  <a:pPr defTabSz="914400">
                     <a:defRPr/>
                   </a:pPr>
-                  <a:endParaRPr kumimoji="0" sz="1800" b="0" i="0" u="none" strike="noStrike" kern="0" cap="none" spc="0" normalizeH="0" baseline="0" noProof="0">
-                    <a:ln>
-                      <a:noFill/>
-                    </a:ln>
+                  <a:endParaRPr kern="0">
                     <a:solidFill>
                       <a:prstClr val="black"/>
                     </a:solidFill>
-                    <a:effectLst/>
-                    <a:uLnTx/>
-                    <a:uFillTx/>
                   </a:endParaRPr>
                 </a:p>
               </p:txBody>
@@ -29712,33 +29541,13 @@
                 <a:bodyPr wrap="square" lIns="0" tIns="0" rIns="0" bIns="0" rtlCol="0"/>
                 <a:lstStyle/>
                 <a:p>
-                  <a:pPr marL="0" marR="0" lvl="0" indent="0" defTabSz="914400" eaLnBrk="1" fontAlgn="auto" latinLnBrk="0" hangingPunct="1">
-                    <a:lnSpc>
-                      <a:spcPct val="100000"/>
-                    </a:lnSpc>
-                    <a:spcBef>
-                      <a:spcPts val="0"/>
-                    </a:spcBef>
-                    <a:spcAft>
-                      <a:spcPts val="0"/>
-                    </a:spcAft>
-                    <a:buClrTx/>
-                    <a:buSzTx/>
-                    <a:buFontTx/>
-                    <a:buNone/>
-                    <a:tabLst/>
+                  <a:pPr defTabSz="914400">
                     <a:defRPr/>
                   </a:pPr>
-                  <a:endParaRPr kumimoji="0" sz="1800" b="0" i="0" u="none" strike="noStrike" kern="0" cap="none" spc="0" normalizeH="0" baseline="0" noProof="0">
-                    <a:ln>
-                      <a:noFill/>
-                    </a:ln>
+                  <a:endParaRPr kern="0">
                     <a:solidFill>
                       <a:prstClr val="black"/>
                     </a:solidFill>
-                    <a:effectLst/>
-                    <a:uLnTx/>
-                    <a:uFillTx/>
                   </a:endParaRPr>
                 </a:p>
               </p:txBody>
@@ -29787,33 +29596,13 @@
                 <a:bodyPr wrap="square" lIns="0" tIns="0" rIns="0" bIns="0" rtlCol="0"/>
                 <a:lstStyle/>
                 <a:p>
-                  <a:pPr marL="0" marR="0" lvl="0" indent="0" defTabSz="914400" eaLnBrk="1" fontAlgn="auto" latinLnBrk="0" hangingPunct="1">
-                    <a:lnSpc>
-                      <a:spcPct val="100000"/>
-                    </a:lnSpc>
-                    <a:spcBef>
-                      <a:spcPts val="0"/>
-                    </a:spcBef>
-                    <a:spcAft>
-                      <a:spcPts val="0"/>
-                    </a:spcAft>
-                    <a:buClrTx/>
-                    <a:buSzTx/>
-                    <a:buFontTx/>
-                    <a:buNone/>
-                    <a:tabLst/>
+                  <a:pPr defTabSz="914400">
                     <a:defRPr/>
                   </a:pPr>
-                  <a:endParaRPr kumimoji="0" sz="1800" b="0" i="0" u="none" strike="noStrike" kern="0" cap="none" spc="0" normalizeH="0" baseline="0" noProof="0">
-                    <a:ln>
-                      <a:noFill/>
-                    </a:ln>
+                  <a:endParaRPr kern="0">
                     <a:solidFill>
                       <a:prstClr val="black"/>
                     </a:solidFill>
-                    <a:effectLst/>
-                    <a:uLnTx/>
-                    <a:uFillTx/>
                   </a:endParaRPr>
                 </a:p>
               </p:txBody>
@@ -29862,33 +29651,13 @@
                 <a:bodyPr wrap="square" lIns="0" tIns="0" rIns="0" bIns="0" rtlCol="0"/>
                 <a:lstStyle/>
                 <a:p>
-                  <a:pPr marL="0" marR="0" lvl="0" indent="0" defTabSz="914400" eaLnBrk="1" fontAlgn="auto" latinLnBrk="0" hangingPunct="1">
-                    <a:lnSpc>
-                      <a:spcPct val="100000"/>
-                    </a:lnSpc>
-                    <a:spcBef>
-                      <a:spcPts val="0"/>
-                    </a:spcBef>
-                    <a:spcAft>
-                      <a:spcPts val="0"/>
-                    </a:spcAft>
-                    <a:buClrTx/>
-                    <a:buSzTx/>
-                    <a:buFontTx/>
-                    <a:buNone/>
-                    <a:tabLst/>
+                  <a:pPr defTabSz="914400">
                     <a:defRPr/>
                   </a:pPr>
-                  <a:endParaRPr kumimoji="0" sz="1800" b="0" i="0" u="none" strike="noStrike" kern="0" cap="none" spc="0" normalizeH="0" baseline="0" noProof="0">
-                    <a:ln>
-                      <a:noFill/>
-                    </a:ln>
+                  <a:endParaRPr kern="0">
                     <a:solidFill>
                       <a:prstClr val="black"/>
                     </a:solidFill>
-                    <a:effectLst/>
-                    <a:uLnTx/>
-                    <a:uFillTx/>
                   </a:endParaRPr>
                 </a:p>
               </p:txBody>
@@ -29937,33 +29706,13 @@
                 <a:bodyPr wrap="square" lIns="0" tIns="0" rIns="0" bIns="0" rtlCol="0"/>
                 <a:lstStyle/>
                 <a:p>
-                  <a:pPr marL="0" marR="0" lvl="0" indent="0" defTabSz="914400" eaLnBrk="1" fontAlgn="auto" latinLnBrk="0" hangingPunct="1">
-                    <a:lnSpc>
-                      <a:spcPct val="100000"/>
-                    </a:lnSpc>
-                    <a:spcBef>
-                      <a:spcPts val="0"/>
-                    </a:spcBef>
-                    <a:spcAft>
-                      <a:spcPts val="0"/>
-                    </a:spcAft>
-                    <a:buClrTx/>
-                    <a:buSzTx/>
-                    <a:buFontTx/>
-                    <a:buNone/>
-                    <a:tabLst/>
+                  <a:pPr defTabSz="914400">
                     <a:defRPr/>
                   </a:pPr>
-                  <a:endParaRPr kumimoji="0" sz="1800" b="0" i="0" u="none" strike="noStrike" kern="0" cap="none" spc="0" normalizeH="0" baseline="0" noProof="0">
-                    <a:ln>
-                      <a:noFill/>
-                    </a:ln>
+                  <a:endParaRPr kern="0">
                     <a:solidFill>
                       <a:prstClr val="black"/>
                     </a:solidFill>
-                    <a:effectLst/>
-                    <a:uLnTx/>
-                    <a:uFillTx/>
                   </a:endParaRPr>
                 </a:p>
               </p:txBody>
@@ -30220,9 +29969,6 @@
               <a:lstStyle/>
               <a:p>
                 <a:pPr marL="12700" algn="ctr" defTabSz="7200000">
-                  <a:lnSpc>
-                    <a:spcPct val="100000"/>
-                  </a:lnSpc>
                   <a:spcBef>
                     <a:spcPts val="100"/>
                   </a:spcBef>
@@ -30276,9 +30022,6 @@
               <a:lstStyle/>
               <a:p>
                 <a:pPr marL="12700" algn="ctr" defTabSz="7200000">
-                  <a:lnSpc>
-                    <a:spcPct val="100000"/>
-                  </a:lnSpc>
                   <a:spcBef>
                     <a:spcPts val="100"/>
                   </a:spcBef>
@@ -30325,9 +30068,6 @@
               <a:lstStyle/>
               <a:p>
                 <a:pPr marL="12700" algn="ctr" defTabSz="7200000">
-                  <a:lnSpc>
-                    <a:spcPct val="100000"/>
-                  </a:lnSpc>
                   <a:spcBef>
                     <a:spcPts val="100"/>
                   </a:spcBef>
@@ -30374,9 +30114,6 @@
               <a:lstStyle/>
               <a:p>
                 <a:pPr marL="12700" algn="ctr" defTabSz="7200000">
-                  <a:lnSpc>
-                    <a:spcPct val="100000"/>
-                  </a:lnSpc>
                   <a:spcBef>
                     <a:spcPts val="100"/>
                   </a:spcBef>
@@ -30423,9 +30160,6 @@
               <a:lstStyle/>
               <a:p>
                 <a:pPr marL="12700" algn="ctr" defTabSz="7200000">
-                  <a:lnSpc>
-                    <a:spcPct val="100000"/>
-                  </a:lnSpc>
                   <a:spcBef>
                     <a:spcPts val="100"/>
                   </a:spcBef>
@@ -30472,9 +30206,6 @@
               <a:lstStyle/>
               <a:p>
                 <a:pPr marL="12700" algn="ctr" defTabSz="7200000">
-                  <a:lnSpc>
-                    <a:spcPct val="100000"/>
-                  </a:lnSpc>
                   <a:spcBef>
                     <a:spcPts val="100"/>
                   </a:spcBef>
@@ -30521,9 +30252,6 @@
               <a:lstStyle/>
               <a:p>
                 <a:pPr marL="12700" algn="ctr" defTabSz="7200000">
-                  <a:lnSpc>
-                    <a:spcPct val="100000"/>
-                  </a:lnSpc>
                   <a:spcBef>
                     <a:spcPts val="100"/>
                   </a:spcBef>
@@ -30570,9 +30298,6 @@
               <a:lstStyle/>
               <a:p>
                 <a:pPr marL="12700" algn="ctr" defTabSz="7200000">
-                  <a:lnSpc>
-                    <a:spcPct val="100000"/>
-                  </a:lnSpc>
                   <a:spcBef>
                     <a:spcPts val="100"/>
                   </a:spcBef>
@@ -30619,9 +30344,6 @@
               <a:lstStyle/>
               <a:p>
                 <a:pPr marL="12700" algn="ctr" defTabSz="7200000">
-                  <a:lnSpc>
-                    <a:spcPct val="100000"/>
-                  </a:lnSpc>
                   <a:spcBef>
                     <a:spcPts val="100"/>
                   </a:spcBef>
@@ -30666,9 +30388,6 @@
               <a:lstStyle/>
               <a:p>
                 <a:pPr marL="12700" algn="ctr" defTabSz="7200000">
-                  <a:lnSpc>
-                    <a:spcPct val="100000"/>
-                  </a:lnSpc>
                   <a:spcBef>
                     <a:spcPts val="100"/>
                   </a:spcBef>
@@ -30701,7 +30420,7 @@
           <p:spPr>
             <a:xfrm>
               <a:off x="8291671" y="14906945"/>
-              <a:ext cx="498483" cy="646331"/>
+              <a:ext cx="549393" cy="639082"/>
             </a:xfrm>
             <a:prstGeom prst="rect">
               <a:avLst/>
@@ -30737,7 +30456,7 @@
         </p:nvGrpSpPr>
         <p:grpSpPr>
           <a:xfrm>
-            <a:off x="8551389" y="9730045"/>
+            <a:off x="8721626" y="10141024"/>
             <a:ext cx="10000897" cy="6849640"/>
             <a:chOff x="8293121" y="10687720"/>
             <a:chExt cx="9797993" cy="6062409"/>
@@ -32268,8 +31987,8 @@
         </p:nvSpPr>
         <p:spPr>
           <a:xfrm>
-            <a:off x="244816" y="16969790"/>
-            <a:ext cx="2732339" cy="584775"/>
+            <a:off x="415053" y="17380770"/>
+            <a:ext cx="18614627" cy="4031873"/>
           </a:xfrm>
           <a:prstGeom prst="rect">
             <a:avLst/>
@@ -32284,8 +32003,151 @@
           <a:p>
             <a:r>
               <a:rPr lang="en-US" sz="3200" b="1" dirty="0"/>
-              <a:t>S figure 1</a:t>
+              <a:t>S figure 1 </a:t>
             </a:r>
+            <a:r>
+              <a:rPr lang="en-US" altLang="zh-CN" sz="3200" b="1" kern="100" dirty="0">
+                <a:effectLst/>
+                <a:ea typeface="DengXian" panose="02010600030101010101" pitchFamily="2" charset="-122"/>
+                <a:cs typeface="Times New Roman" panose="02020603050405020304" pitchFamily="18" charset="0"/>
+              </a:rPr>
+              <a:t>Metagenome sequencing data profile and case filtering criteria.</a:t>
+            </a:r>
+            <a:r>
+              <a:rPr lang="en-US" altLang="zh-CN" sz="3200" kern="100" dirty="0">
+                <a:effectLst/>
+                <a:ea typeface="DengXian" panose="02010600030101010101" pitchFamily="2" charset="-122"/>
+                <a:cs typeface="Times New Roman" panose="02020603050405020304" pitchFamily="18" charset="0"/>
+              </a:rPr>
+              <a:t> </a:t>
+            </a:r>
+            <a:r>
+              <a:rPr lang="en-US" altLang="zh-CN" sz="3200" b="1" kern="100" dirty="0">
+                <a:effectLst/>
+                <a:ea typeface="DengXian" panose="02010600030101010101" pitchFamily="2" charset="-122"/>
+                <a:cs typeface="Times New Roman" panose="02020603050405020304" pitchFamily="18" charset="0"/>
+              </a:rPr>
+              <a:t>(a)</a:t>
+            </a:r>
+            <a:r>
+              <a:rPr lang="en-US" altLang="zh-CN" sz="3200" kern="100" dirty="0">
+                <a:effectLst/>
+                <a:ea typeface="DengXian" panose="02010600030101010101" pitchFamily="2" charset="-122"/>
+                <a:cs typeface="Times New Roman" panose="02020603050405020304" pitchFamily="18" charset="0"/>
+              </a:rPr>
+              <a:t> Left panel: fungal (red border) and bacterial (blue border)  alignment count number in 9 cohorts, a total of 2,052 cases. Right panel: ratio of fungal and bacterial alignment counts number (purple border) in all samples </a:t>
+            </a:r>
+            <a:r>
+              <a:rPr lang="en-US" altLang="zh-CN" sz="3200" b="1" kern="100" dirty="0">
+                <a:effectLst/>
+                <a:ea typeface="DengXian" panose="02010600030101010101" pitchFamily="2" charset="-122"/>
+                <a:cs typeface="Times New Roman" panose="02020603050405020304" pitchFamily="18" charset="0"/>
+              </a:rPr>
+              <a:t>(b)</a:t>
+            </a:r>
+            <a:r>
+              <a:rPr lang="en-US" altLang="zh-CN" sz="3200" kern="100" dirty="0">
+                <a:effectLst/>
+                <a:ea typeface="DengXian" panose="02010600030101010101" pitchFamily="2" charset="-122"/>
+                <a:cs typeface="Times New Roman" panose="02020603050405020304" pitchFamily="18" charset="0"/>
+              </a:rPr>
+              <a:t> Microbiota rarefaction curve generated based on fungal chao1 diversity. </a:t>
+            </a:r>
+            <a:r>
+              <a:rPr lang="en-US" altLang="zh-CN" sz="3200" b="1" kern="100" dirty="0">
+                <a:effectLst/>
+                <a:ea typeface="DengXian" panose="02010600030101010101" pitchFamily="2" charset="-122"/>
+                <a:cs typeface="Times New Roman" panose="02020603050405020304" pitchFamily="18" charset="0"/>
+              </a:rPr>
+              <a:t>(c)</a:t>
+            </a:r>
+            <a:r>
+              <a:rPr lang="en-US" altLang="zh-CN" sz="3200" kern="100" dirty="0">
+                <a:effectLst/>
+                <a:ea typeface="DengXian" panose="02010600030101010101" pitchFamily="2" charset="-122"/>
+                <a:cs typeface="Times New Roman" panose="02020603050405020304" pitchFamily="18" charset="0"/>
+              </a:rPr>
+              <a:t> Case filtering criteria contained three primary sections, sample sequence quality control (</a:t>
+            </a:r>
+            <a:r>
+              <a:rPr lang="en-US" altLang="zh-CN" sz="3200" kern="100" dirty="0" err="1">
+                <a:effectLst/>
+                <a:ea typeface="DengXian" panose="02010600030101010101" pitchFamily="2" charset="-122"/>
+                <a:cs typeface="Times New Roman" panose="02020603050405020304" pitchFamily="18" charset="0"/>
+              </a:rPr>
+              <a:t>n</a:t>
+            </a:r>
+            <a:r>
+              <a:rPr lang="en-US" altLang="zh-CN" sz="3200" kern="100" baseline="-25000" dirty="0" err="1">
+                <a:effectLst/>
+                <a:ea typeface="DengXian" panose="02010600030101010101" pitchFamily="2" charset="-122"/>
+                <a:cs typeface="Times New Roman" panose="02020603050405020304" pitchFamily="18" charset="0"/>
+              </a:rPr>
+              <a:t>filtered</a:t>
+            </a:r>
+            <a:r>
+              <a:rPr lang="en-US" altLang="zh-CN" sz="3200" kern="100" dirty="0">
+                <a:effectLst/>
+                <a:ea typeface="DengXian" panose="02010600030101010101" pitchFamily="2" charset="-122"/>
+                <a:cs typeface="Times New Roman" panose="02020603050405020304" pitchFamily="18" charset="0"/>
+              </a:rPr>
+              <a:t> = 235), suspected contamination samples filtering (</a:t>
+            </a:r>
+            <a:r>
+              <a:rPr lang="en-US" altLang="zh-CN" sz="3200" kern="100" dirty="0" err="1">
+                <a:effectLst/>
+                <a:ea typeface="DengXian" panose="02010600030101010101" pitchFamily="2" charset="-122"/>
+                <a:cs typeface="Times New Roman" panose="02020603050405020304" pitchFamily="18" charset="0"/>
+              </a:rPr>
+              <a:t>n</a:t>
+            </a:r>
+            <a:r>
+              <a:rPr lang="en-US" altLang="zh-CN" sz="3200" kern="100" baseline="-25000" dirty="0" err="1">
+                <a:effectLst/>
+                <a:ea typeface="DengXian" panose="02010600030101010101" pitchFamily="2" charset="-122"/>
+                <a:cs typeface="Times New Roman" panose="02020603050405020304" pitchFamily="18" charset="0"/>
+              </a:rPr>
+              <a:t>filtered</a:t>
+            </a:r>
+            <a:r>
+              <a:rPr lang="en-US" altLang="zh-CN" sz="3200" kern="100" dirty="0">
+                <a:effectLst/>
+                <a:ea typeface="DengXian" panose="02010600030101010101" pitchFamily="2" charset="-122"/>
+                <a:cs typeface="Times New Roman" panose="02020603050405020304" pitchFamily="18" charset="0"/>
+              </a:rPr>
+              <a:t> = 192), and low- fungal sequence depth samples discarding (</a:t>
+            </a:r>
+            <a:r>
+              <a:rPr lang="en-US" altLang="zh-CN" sz="3200" kern="100" dirty="0" err="1">
+                <a:effectLst/>
+                <a:ea typeface="DengXian" panose="02010600030101010101" pitchFamily="2" charset="-122"/>
+                <a:cs typeface="Times New Roman" panose="02020603050405020304" pitchFamily="18" charset="0"/>
+              </a:rPr>
+              <a:t>n</a:t>
+            </a:r>
+            <a:r>
+              <a:rPr lang="en-US" altLang="zh-CN" sz="3200" kern="100" baseline="-25000" dirty="0" err="1">
+                <a:effectLst/>
+                <a:ea typeface="DengXian" panose="02010600030101010101" pitchFamily="2" charset="-122"/>
+                <a:cs typeface="Times New Roman" panose="02020603050405020304" pitchFamily="18" charset="0"/>
+              </a:rPr>
+              <a:t>filtered</a:t>
+            </a:r>
+            <a:r>
+              <a:rPr lang="en-US" altLang="zh-CN" sz="3200" kern="100" dirty="0">
+                <a:effectLst/>
+                <a:ea typeface="DengXian" panose="02010600030101010101" pitchFamily="2" charset="-122"/>
+                <a:cs typeface="Times New Roman" panose="02020603050405020304" pitchFamily="18" charset="0"/>
+              </a:rPr>
+              <a:t> = 296). Excluding 723 cases, consistent with previous studies, approximately 30% of individuals were fungi free.</a:t>
+            </a:r>
+            <a:endParaRPr lang="zh-CN" altLang="zh-CN" sz="3200" kern="100" dirty="0">
+              <a:effectLst/>
+              <a:ea typeface="DengXian" panose="02010600030101010101" pitchFamily="2" charset="-122"/>
+              <a:cs typeface="Times New Roman" panose="02020603050405020304" pitchFamily="18" charset="0"/>
+            </a:endParaRPr>
+          </a:p>
+          <a:p>
             <a:endParaRPr lang="en-HK" sz="3200" b="1" dirty="0"/>
           </a:p>
         </p:txBody>
